--- a/찐 포트폴리오.pptx
+++ b/찐 포트폴리오.pptx
@@ -5,17 +5,16 @@
     <p:sldMasterId id="2147483648" r:id="rId1"/>
   </p:sldMasterIdLst>
   <p:notesMasterIdLst>
-    <p:notesMasterId r:id="rId10"/>
+    <p:notesMasterId r:id="rId9"/>
   </p:notesMasterIdLst>
   <p:sldIdLst>
     <p:sldId id="256" r:id="rId2"/>
     <p:sldId id="257" r:id="rId3"/>
     <p:sldId id="258" r:id="rId4"/>
-    <p:sldId id="259" r:id="rId5"/>
-    <p:sldId id="264" r:id="rId6"/>
-    <p:sldId id="265" r:id="rId7"/>
-    <p:sldId id="266" r:id="rId8"/>
-    <p:sldId id="262" r:id="rId9"/>
+    <p:sldId id="264" r:id="rId5"/>
+    <p:sldId id="265" r:id="rId6"/>
+    <p:sldId id="266" r:id="rId7"/>
+    <p:sldId id="262" r:id="rId8"/>
   </p:sldIdLst>
   <p:sldSz cx="12192000" cy="6858000"/>
   <p:notesSz cx="6858000" cy="9144000"/>
@@ -236,7 +235,7 @@
           <a:p>
             <a:fld id="{F0869474-FFF2-40CC-9CB9-7BB4CD37AA94}" type="datetimeFigureOut">
               <a:rPr lang="ko-KR" altLang="en-US" smtClean="0"/>
-              <a:t>2025-01-17</a:t>
+              <a:t>2025-01-18</a:t>
             </a:fld>
             <a:endParaRPr lang="ko-KR" altLang="en-US"/>
           </a:p>
@@ -301,14 +300,22 @@
             <a:pPr lvl="0"/>
             <a:r>
               <a:rPr lang="ko-KR" altLang="en-US" dirty="0"/>
-              <a:t>마스터 텍스트 스타일을 편집하려면 클릭</a:t>
+              <a:t>마스터 스타일을 편집하려면 클릭</a:t>
             </a:r>
           </a:p>
           <a:p>
             <a:pPr lvl="1"/>
             <a:r>
               <a:rPr lang="ko-KR" altLang="en-US" dirty="0"/>
-              <a:t>두 번째 수준</a:t>
+              <a:t>두 </a:t>
+            </a:r>
+            <a:r>
+              <a:rPr lang="ko-KR" altLang="en-US" dirty="0" err="1"/>
+              <a:t>번째텍스트</a:t>
+            </a:r>
+            <a:r>
+              <a:rPr lang="ko-KR" altLang="en-US" dirty="0"/>
+              <a:t> 수준</a:t>
             </a:r>
           </a:p>
           <a:p>
@@ -658,7 +665,7 @@
           <a:p>
             <a:fld id="{107A0DC4-3962-4611-8C4C-DADA306A4325}" type="datetimeFigureOut">
               <a:rPr lang="ko-KR" altLang="en-US" smtClean="0"/>
-              <a:t>2025-01-17</a:t>
+              <a:t>2025-01-18</a:t>
             </a:fld>
             <a:endParaRPr lang="ko-KR" altLang="en-US"/>
           </a:p>
@@ -880,7 +887,7 @@
           <a:p>
             <a:fld id="{107A0DC4-3962-4611-8C4C-DADA306A4325}" type="datetimeFigureOut">
               <a:rPr lang="ko-KR" altLang="en-US" smtClean="0"/>
-              <a:t>2025-01-17</a:t>
+              <a:t>2025-01-18</a:t>
             </a:fld>
             <a:endParaRPr lang="ko-KR" altLang="en-US"/>
           </a:p>
@@ -1112,7 +1119,7 @@
           <a:p>
             <a:fld id="{107A0DC4-3962-4611-8C4C-DADA306A4325}" type="datetimeFigureOut">
               <a:rPr lang="ko-KR" altLang="en-US" smtClean="0"/>
-              <a:t>2025-01-17</a:t>
+              <a:t>2025-01-18</a:t>
             </a:fld>
             <a:endParaRPr lang="ko-KR" altLang="en-US"/>
           </a:p>
@@ -1334,7 +1341,7 @@
           <a:p>
             <a:fld id="{107A0DC4-3962-4611-8C4C-DADA306A4325}" type="datetimeFigureOut">
               <a:rPr lang="ko-KR" altLang="en-US" smtClean="0"/>
-              <a:t>2025-01-17</a:t>
+              <a:t>2025-01-18</a:t>
             </a:fld>
             <a:endParaRPr lang="ko-KR" altLang="en-US"/>
           </a:p>
@@ -1633,7 +1640,7 @@
           <a:p>
             <a:fld id="{107A0DC4-3962-4611-8C4C-DADA306A4325}" type="datetimeFigureOut">
               <a:rPr lang="ko-KR" altLang="en-US" smtClean="0"/>
-              <a:t>2025-01-17</a:t>
+              <a:t>2025-01-18</a:t>
             </a:fld>
             <a:endParaRPr lang="ko-KR" altLang="en-US"/>
           </a:p>
@@ -1922,7 +1929,7 @@
           <a:p>
             <a:fld id="{107A0DC4-3962-4611-8C4C-DADA306A4325}" type="datetimeFigureOut">
               <a:rPr lang="ko-KR" altLang="en-US" smtClean="0"/>
-              <a:t>2025-01-17</a:t>
+              <a:t>2025-01-18</a:t>
             </a:fld>
             <a:endParaRPr lang="ko-KR" altLang="en-US"/>
           </a:p>
@@ -2358,7 +2365,7 @@
           <a:p>
             <a:fld id="{107A0DC4-3962-4611-8C4C-DADA306A4325}" type="datetimeFigureOut">
               <a:rPr lang="ko-KR" altLang="en-US" smtClean="0"/>
-              <a:t>2025-01-17</a:t>
+              <a:t>2025-01-18</a:t>
             </a:fld>
             <a:endParaRPr lang="ko-KR" altLang="en-US"/>
           </a:p>
@@ -2734,7 +2741,7 @@
           <a:p>
             <a:fld id="{107A0DC4-3962-4611-8C4C-DADA306A4325}" type="datetimeFigureOut">
               <a:rPr lang="ko-KR" altLang="en-US" smtClean="0"/>
-              <a:t>2025-01-17</a:t>
+              <a:t>2025-01-18</a:t>
             </a:fld>
             <a:endParaRPr lang="ko-KR" altLang="en-US"/>
           </a:p>
@@ -3069,7 +3076,7 @@
           <a:p>
             <a:fld id="{107A0DC4-3962-4611-8C4C-DADA306A4325}" type="datetimeFigureOut">
               <a:rPr lang="ko-KR" altLang="en-US" smtClean="0"/>
-              <a:t>2025-01-17</a:t>
+              <a:t>2025-01-18</a:t>
             </a:fld>
             <a:endParaRPr lang="ko-KR" altLang="en-US"/>
           </a:p>
@@ -3381,7 +3388,7 @@
           <a:p>
             <a:fld id="{107A0DC4-3962-4611-8C4C-DADA306A4325}" type="datetimeFigureOut">
               <a:rPr lang="ko-KR" altLang="en-US" smtClean="0"/>
-              <a:t>2025-01-17</a:t>
+              <a:t>2025-01-18</a:t>
             </a:fld>
             <a:endParaRPr lang="ko-KR" altLang="en-US"/>
           </a:p>
@@ -3606,68 +3613,6 @@
       </p:sp>
       <p:sp>
         <p:nvSpPr>
-          <p:cNvPr id="9" name="직각 삼각형 8">
-            <a:extLst>
-              <a:ext uri="{FF2B5EF4-FFF2-40B4-BE49-F238E27FC236}">
-                <a16:creationId xmlns:a16="http://schemas.microsoft.com/office/drawing/2014/main" id="{C02AE357-6EA2-AA3B-CAA9-BCEFDCCE0198}"/>
-              </a:ext>
-            </a:extLst>
-          </p:cNvPr>
-          <p:cNvSpPr/>
-          <p:nvPr userDrawn="1"/>
-        </p:nvSpPr>
-        <p:spPr>
-          <a:xfrm rot="5400000">
-            <a:off x="-33280" y="27837"/>
-            <a:ext cx="1045029" cy="989356"/>
-          </a:xfrm>
-          <a:prstGeom prst="rtTriangle">
-            <a:avLst/>
-          </a:prstGeom>
-          <a:solidFill>
-            <a:srgbClr val="91777E"/>
-          </a:solidFill>
-          <a:ln>
-            <a:noFill/>
-          </a:ln>
-          <a:effectLst>
-            <a:softEdge rad="0"/>
-          </a:effectLst>
-          <a:scene3d>
-            <a:camera prst="orthographicFront"/>
-            <a:lightRig rig="threePt" dir="t"/>
-          </a:scene3d>
-          <a:sp3d>
-            <a:bevelB w="1270000"/>
-          </a:sp3d>
-        </p:spPr>
-        <p:style>
-          <a:lnRef idx="2">
-            <a:schemeClr val="accent1">
-              <a:shade val="15000"/>
-            </a:schemeClr>
-          </a:lnRef>
-          <a:fillRef idx="1">
-            <a:schemeClr val="accent1"/>
-          </a:fillRef>
-          <a:effectRef idx="0">
-            <a:schemeClr val="accent1"/>
-          </a:effectRef>
-          <a:fontRef idx="minor">
-            <a:schemeClr val="lt1"/>
-          </a:fontRef>
-        </p:style>
-        <p:txBody>
-          <a:bodyPr rtlCol="0" anchor="ctr"/>
-          <a:lstStyle/>
-          <a:p>
-            <a:pPr algn="ctr"/>
-            <a:endParaRPr lang="ko-KR" altLang="en-US"/>
-          </a:p>
-        </p:txBody>
-      </p:sp>
-      <p:sp>
-        <p:nvSpPr>
           <p:cNvPr id="10" name="직각 삼각형 9">
             <a:extLst>
               <a:ext uri="{FF2B5EF4-FFF2-40B4-BE49-F238E27FC236}">
@@ -3938,6 +3883,58 @@
           </a:fontRef>
         </p:style>
       </p:cxnSp>
+      <p:sp>
+        <p:nvSpPr>
+          <p:cNvPr id="4" name="직각 삼각형 3">
+            <a:extLst>
+              <a:ext uri="{FF2B5EF4-FFF2-40B4-BE49-F238E27FC236}">
+                <a16:creationId xmlns:a16="http://schemas.microsoft.com/office/drawing/2014/main" id="{3C07D972-56B3-5422-6AC2-D3174448EBA5}"/>
+              </a:ext>
+            </a:extLst>
+          </p:cNvPr>
+          <p:cNvSpPr/>
+          <p:nvPr userDrawn="1"/>
+        </p:nvSpPr>
+        <p:spPr>
+          <a:xfrm rot="5400000">
+            <a:off x="-27837" y="27837"/>
+            <a:ext cx="1045029" cy="989356"/>
+          </a:xfrm>
+          <a:prstGeom prst="rtTriangle">
+            <a:avLst/>
+          </a:prstGeom>
+          <a:solidFill>
+            <a:srgbClr val="91777E"/>
+          </a:solidFill>
+          <a:ln>
+            <a:noFill/>
+          </a:ln>
+        </p:spPr>
+        <p:style>
+          <a:lnRef idx="2">
+            <a:schemeClr val="accent1">
+              <a:shade val="15000"/>
+            </a:schemeClr>
+          </a:lnRef>
+          <a:fillRef idx="1">
+            <a:schemeClr val="accent1"/>
+          </a:fillRef>
+          <a:effectRef idx="0">
+            <a:schemeClr val="accent1"/>
+          </a:effectRef>
+          <a:fontRef idx="minor">
+            <a:schemeClr val="lt1"/>
+          </a:fontRef>
+        </p:style>
+        <p:txBody>
+          <a:bodyPr rtlCol="0" anchor="ctr"/>
+          <a:lstStyle/>
+          <a:p>
+            <a:pPr algn="ctr"/>
+            <a:endParaRPr lang="ko-KR" altLang="en-US"/>
+          </a:p>
+        </p:txBody>
+      </p:sp>
     </p:spTree>
     <p:extLst>
       <p:ext uri="{BB962C8B-B14F-4D97-AF65-F5344CB8AC3E}">
@@ -5466,10 +5463,10 @@
       </p:grpSpPr>
       <p:sp>
         <p:nvSpPr>
-          <p:cNvPr id="9" name="타원 8">
-            <a:extLst>
-              <a:ext uri="{FF2B5EF4-FFF2-40B4-BE49-F238E27FC236}">
-                <a16:creationId xmlns:a16="http://schemas.microsoft.com/office/drawing/2014/main" id="{F7034584-7DE3-3EF6-BE6A-687F387DC628}"/>
+          <p:cNvPr id="12" name="타원 11">
+            <a:extLst>
+              <a:ext uri="{FF2B5EF4-FFF2-40B4-BE49-F238E27FC236}">
+                <a16:creationId xmlns:a16="http://schemas.microsoft.com/office/drawing/2014/main" id="{07BF871E-0210-9DD5-2DEB-6D3A5292E251}"/>
               </a:ext>
             </a:extLst>
           </p:cNvPr>
@@ -5478,8 +5475,8 @@
         </p:nvSpPr>
         <p:spPr>
           <a:xfrm>
-            <a:off x="7999569" y="717632"/>
-            <a:ext cx="3653677" cy="4320040"/>
+            <a:off x="8558391" y="872252"/>
+            <a:ext cx="2638244" cy="4320040"/>
           </a:xfrm>
           <a:prstGeom prst="ellipse">
             <a:avLst/>
@@ -5530,7 +5527,7 @@
         </p:nvSpPr>
         <p:spPr>
           <a:xfrm rot="5400000">
-            <a:off x="5624691" y="2061060"/>
+            <a:off x="4978426" y="1987939"/>
             <a:ext cx="1940329" cy="7467676"/>
           </a:xfrm>
           <a:prstGeom prst="ellipse">
@@ -5634,7 +5631,7 @@
         </p:nvSpPr>
         <p:spPr>
           <a:xfrm>
-            <a:off x="4572329" y="803099"/>
+            <a:off x="4416836" y="822897"/>
             <a:ext cx="2955984" cy="2869720"/>
           </a:xfrm>
           <a:prstGeom prst="flowChartConnector">
@@ -5740,7 +5737,7 @@
         </p:blipFill>
         <p:spPr>
           <a:xfrm>
-            <a:off x="4943429" y="803099"/>
+            <a:off x="4841699" y="852535"/>
             <a:ext cx="2213784" cy="2213784"/>
           </a:xfrm>
         </p:spPr>
@@ -5776,9 +5773,8 @@
             <a:r>
               <a:rPr lang="en-US" altLang="ko-KR" dirty="0">
                 <a:latin typeface="MS Gothic" panose="020B0609070205080204" pitchFamily="49" charset="-128"/>
-                <a:ea typeface="MS Gothic" panose="020B0609070205080204" pitchFamily="49" charset="-128"/>
               </a:rPr>
-              <a:t>I</a:t>
+              <a:t>S</a:t>
             </a:r>
             <a:endParaRPr lang="ko-KR" altLang="en-US" dirty="0">
               <a:latin typeface="MS Gothic" panose="020B0609070205080204" pitchFamily="49" charset="-128"/>
@@ -5833,13 +5829,14 @@
           <p:cNvCxnSpPr>
             <a:cxnSpLocks/>
             <a:stCxn id="8" idx="2"/>
+            <a:endCxn id="3" idx="6"/>
           </p:cNvCxnSpPr>
           <p:nvPr/>
         </p:nvCxnSpPr>
         <p:spPr>
           <a:xfrm flipH="1">
-            <a:off x="2841295" y="2237959"/>
-            <a:ext cx="1731034" cy="778924"/>
+            <a:off x="2885081" y="2257757"/>
+            <a:ext cx="1531755" cy="943792"/>
           </a:xfrm>
           <a:prstGeom prst="straightConnector1">
             <a:avLst/>
@@ -5875,13 +5872,14 @@
           <p:cNvCxnSpPr>
             <a:cxnSpLocks/>
             <a:stCxn id="8" idx="4"/>
+            <a:endCxn id="5" idx="2"/>
           </p:cNvCxnSpPr>
           <p:nvPr/>
         </p:nvCxnSpPr>
         <p:spPr>
-          <a:xfrm flipH="1">
-            <a:off x="5624423" y="3672819"/>
-            <a:ext cx="425898" cy="680645"/>
+          <a:xfrm>
+            <a:off x="5894828" y="3692617"/>
+            <a:ext cx="53763" cy="1058996"/>
           </a:xfrm>
           <a:prstGeom prst="straightConnector1">
             <a:avLst/>
@@ -5917,13 +5915,14 @@
           <p:cNvCxnSpPr>
             <a:cxnSpLocks/>
             <a:stCxn id="8" idx="6"/>
+            <a:endCxn id="12" idx="2"/>
           </p:cNvCxnSpPr>
           <p:nvPr/>
         </p:nvCxnSpPr>
         <p:spPr>
           <a:xfrm>
-            <a:off x="7528313" y="2237959"/>
-            <a:ext cx="988834" cy="476486"/>
+            <a:off x="7372820" y="2257757"/>
+            <a:ext cx="1185571" cy="774515"/>
           </a:xfrm>
           <a:prstGeom prst="straightConnector1">
             <a:avLst/>
@@ -6011,7 +6010,7 @@
         </p:blipFill>
         <p:spPr>
           <a:xfrm>
-            <a:off x="3190394" y="4921384"/>
+            <a:off x="2921506" y="4807744"/>
             <a:ext cx="1870436" cy="1107649"/>
           </a:xfrm>
           <a:prstGeom prst="rect">
@@ -6069,7 +6068,7 @@
         </p:nvSpPr>
         <p:spPr>
           <a:xfrm>
-            <a:off x="5755340" y="4693500"/>
+            <a:off x="2921506" y="5945134"/>
             <a:ext cx="2108541" cy="400110"/>
           </a:xfrm>
           <a:prstGeom prst="rect">
@@ -6174,7 +6173,7 @@
         </p:nvSpPr>
         <p:spPr>
           <a:xfrm>
-            <a:off x="221657" y="4139067"/>
+            <a:off x="31867" y="4127328"/>
             <a:ext cx="2968737" cy="830997"/>
           </a:xfrm>
           <a:prstGeom prst="rect">
@@ -6190,11 +6189,7 @@
           <a:p>
             <a:r>
               <a:rPr lang="ko-KR" altLang="en-US" sz="1600" u="sng" dirty="0"/>
-              <a:t>실제 프로젝트를 통해 사용자 경험을 중시하는 인터페이스 설계 </a:t>
-            </a:r>
-            <a:r>
-              <a:rPr lang="ko-KR" altLang="en-US" sz="1600" u="sng"/>
-              <a:t>능력을 향상시켰습니다</a:t>
+              <a:t>실제 프로젝트를 통해 사용자 경험을 중시하는 인터페이스 설계 능력을 향상시켰습니다</a:t>
             </a:r>
             <a:r>
               <a:rPr lang="en-US" altLang="ko-KR" sz="1600" u="sng" dirty="0"/>
@@ -6218,7 +6213,7 @@
         </p:nvSpPr>
         <p:spPr>
           <a:xfrm>
-            <a:off x="233437" y="3231284"/>
+            <a:off x="784302" y="3241776"/>
             <a:ext cx="2860900" cy="830997"/>
           </a:xfrm>
           <a:prstGeom prst="rect">
@@ -6258,7 +6253,7 @@
         </p:nvSpPr>
         <p:spPr>
           <a:xfrm>
-            <a:off x="5088573" y="5117874"/>
+            <a:off x="4858747" y="4848145"/>
             <a:ext cx="2860900" cy="830997"/>
           </a:xfrm>
           <a:prstGeom prst="rect">
@@ -6306,7 +6301,7 @@
         </p:nvSpPr>
         <p:spPr>
           <a:xfrm>
-            <a:off x="7528313" y="5725201"/>
+            <a:off x="5697491" y="5721777"/>
             <a:ext cx="2860900" cy="830997"/>
           </a:xfrm>
           <a:prstGeom prst="rect">
@@ -6506,7 +6501,7 @@
         </p:nvSpPr>
         <p:spPr>
           <a:xfrm>
-            <a:off x="723182" y="3171617"/>
+            <a:off x="1521846" y="3224653"/>
             <a:ext cx="1623204" cy="684875"/>
           </a:xfrm>
         </p:spPr>
@@ -6541,7 +6536,7 @@
         </p:nvSpPr>
         <p:spPr>
           <a:xfrm>
-            <a:off x="7137641" y="2486742"/>
+            <a:off x="7944289" y="2328601"/>
             <a:ext cx="1623204" cy="684875"/>
           </a:xfrm>
           <a:prstGeom prst="rect">
@@ -6745,7 +6740,7 @@
         </p:nvSpPr>
         <p:spPr>
           <a:xfrm>
-            <a:off x="667829" y="1476911"/>
+            <a:off x="1457647" y="1425348"/>
             <a:ext cx="2027926" cy="684875"/>
           </a:xfrm>
           <a:prstGeom prst="rect">
@@ -6949,7 +6944,7 @@
         </p:nvSpPr>
         <p:spPr>
           <a:xfrm>
-            <a:off x="7137640" y="4162687"/>
+            <a:off x="7846693" y="4220879"/>
             <a:ext cx="2081121" cy="684875"/>
           </a:xfrm>
           <a:prstGeom prst="rect">
@@ -7153,7 +7148,7 @@
         </p:nvSpPr>
         <p:spPr>
           <a:xfrm>
-            <a:off x="667829" y="4954722"/>
+            <a:off x="1395662" y="4931104"/>
             <a:ext cx="1997014" cy="684875"/>
           </a:xfrm>
           <a:prstGeom prst="rect">
@@ -7374,7 +7369,7 @@
                 <a:latin typeface="MS Gothic" panose="020B0609070205080204" pitchFamily="49" charset="-128"/>
                 <a:ea typeface="MS Gothic" panose="020B0609070205080204" pitchFamily="49" charset="-128"/>
               </a:rPr>
-              <a:t>S</a:t>
+              <a:t>P</a:t>
             </a:r>
             <a:endParaRPr lang="ko-KR" altLang="en-US" dirty="0">
               <a:latin typeface="MS Gothic" panose="020B0609070205080204" pitchFamily="49" charset="-128"/>
@@ -9583,6 +9578,186 @@
           </a:fontRef>
         </p:style>
       </p:cxnSp>
+      <p:pic>
+        <p:nvPicPr>
+          <p:cNvPr id="10" name="그림 9">
+            <a:extLst>
+              <a:ext uri="{FF2B5EF4-FFF2-40B4-BE49-F238E27FC236}">
+                <a16:creationId xmlns:a16="http://schemas.microsoft.com/office/drawing/2014/main" id="{7F425078-2C7E-AE4C-8C85-7AB4EE06A543}"/>
+              </a:ext>
+            </a:extLst>
+          </p:cNvPr>
+          <p:cNvPicPr>
+            <a:picLocks noChangeAspect="1"/>
+          </p:cNvPicPr>
+          <p:nvPr/>
+        </p:nvPicPr>
+        <p:blipFill>
+          <a:blip r:embed="rId2">
+            <a:extLst>
+              <a:ext uri="{28A0092B-C50C-407E-A947-70E740481C1C}">
+                <a14:useLocalDpi xmlns:a14="http://schemas.microsoft.com/office/drawing/2010/main" val="0"/>
+              </a:ext>
+            </a:extLst>
+          </a:blip>
+          <a:stretch>
+            <a:fillRect/>
+          </a:stretch>
+        </p:blipFill>
+        <p:spPr>
+          <a:xfrm>
+            <a:off x="529974" y="1207757"/>
+            <a:ext cx="775755" cy="775755"/>
+          </a:xfrm>
+          <a:prstGeom prst="rect">
+            <a:avLst/>
+          </a:prstGeom>
+        </p:spPr>
+      </p:pic>
+      <p:pic>
+        <p:nvPicPr>
+          <p:cNvPr id="17" name="그림 16">
+            <a:extLst>
+              <a:ext uri="{FF2B5EF4-FFF2-40B4-BE49-F238E27FC236}">
+                <a16:creationId xmlns:a16="http://schemas.microsoft.com/office/drawing/2014/main" id="{7F8ACC47-35EB-D3A2-F1FE-E3201CBB6AE7}"/>
+              </a:ext>
+            </a:extLst>
+          </p:cNvPr>
+          <p:cNvPicPr>
+            <a:picLocks noChangeAspect="1"/>
+          </p:cNvPicPr>
+          <p:nvPr/>
+        </p:nvPicPr>
+        <p:blipFill>
+          <a:blip r:embed="rId3">
+            <a:extLst>
+              <a:ext uri="{28A0092B-C50C-407E-A947-70E740481C1C}">
+                <a14:useLocalDpi xmlns:a14="http://schemas.microsoft.com/office/drawing/2010/main" val="0"/>
+              </a:ext>
+            </a:extLst>
+          </a:blip>
+          <a:stretch>
+            <a:fillRect/>
+          </a:stretch>
+        </p:blipFill>
+        <p:spPr>
+          <a:xfrm>
+            <a:off x="584341" y="3089379"/>
+            <a:ext cx="775755" cy="775755"/>
+          </a:xfrm>
+          <a:prstGeom prst="rect">
+            <a:avLst/>
+          </a:prstGeom>
+        </p:spPr>
+      </p:pic>
+      <p:pic>
+        <p:nvPicPr>
+          <p:cNvPr id="21" name="그림 20">
+            <a:extLst>
+              <a:ext uri="{FF2B5EF4-FFF2-40B4-BE49-F238E27FC236}">
+                <a16:creationId xmlns:a16="http://schemas.microsoft.com/office/drawing/2014/main" id="{1C640DBB-D299-607B-E737-3467E303CD69}"/>
+              </a:ext>
+            </a:extLst>
+          </p:cNvPr>
+          <p:cNvPicPr>
+            <a:picLocks noChangeAspect="1"/>
+          </p:cNvPicPr>
+          <p:nvPr/>
+        </p:nvPicPr>
+        <p:blipFill>
+          <a:blip r:embed="rId4">
+            <a:extLst>
+              <a:ext uri="{28A0092B-C50C-407E-A947-70E740481C1C}">
+                <a14:useLocalDpi xmlns:a14="http://schemas.microsoft.com/office/drawing/2010/main" val="0"/>
+              </a:ext>
+            </a:extLst>
+          </a:blip>
+          <a:stretch>
+            <a:fillRect/>
+          </a:stretch>
+        </p:blipFill>
+        <p:spPr>
+          <a:xfrm>
+            <a:off x="423408" y="4833144"/>
+            <a:ext cx="826280" cy="826280"/>
+          </a:xfrm>
+          <a:prstGeom prst="rect">
+            <a:avLst/>
+          </a:prstGeom>
+        </p:spPr>
+      </p:pic>
+      <p:pic>
+        <p:nvPicPr>
+          <p:cNvPr id="27" name="그림 26">
+            <a:extLst>
+              <a:ext uri="{FF2B5EF4-FFF2-40B4-BE49-F238E27FC236}">
+                <a16:creationId xmlns:a16="http://schemas.microsoft.com/office/drawing/2014/main" id="{1B417103-E59D-B3FA-688F-BAA2058FE270}"/>
+              </a:ext>
+            </a:extLst>
+          </p:cNvPr>
+          <p:cNvPicPr>
+            <a:picLocks noChangeAspect="1"/>
+          </p:cNvPicPr>
+          <p:nvPr/>
+        </p:nvPicPr>
+        <p:blipFill>
+          <a:blip r:embed="rId5">
+            <a:extLst>
+              <a:ext uri="{28A0092B-C50C-407E-A947-70E740481C1C}">
+                <a14:useLocalDpi xmlns:a14="http://schemas.microsoft.com/office/drawing/2010/main" val="0"/>
+              </a:ext>
+            </a:extLst>
+          </a:blip>
+          <a:stretch>
+            <a:fillRect/>
+          </a:stretch>
+        </p:blipFill>
+        <p:spPr>
+          <a:xfrm>
+            <a:off x="7018045" y="2260519"/>
+            <a:ext cx="741636" cy="647773"/>
+          </a:xfrm>
+          <a:prstGeom prst="rect">
+            <a:avLst/>
+          </a:prstGeom>
+        </p:spPr>
+      </p:pic>
+      <p:pic>
+        <p:nvPicPr>
+          <p:cNvPr id="33" name="그림 32">
+            <a:extLst>
+              <a:ext uri="{FF2B5EF4-FFF2-40B4-BE49-F238E27FC236}">
+                <a16:creationId xmlns:a16="http://schemas.microsoft.com/office/drawing/2014/main" id="{A38202F7-4517-9DBD-2F50-D0053C8CF7C8}"/>
+              </a:ext>
+            </a:extLst>
+          </p:cNvPr>
+          <p:cNvPicPr>
+            <a:picLocks noChangeAspect="1"/>
+          </p:cNvPicPr>
+          <p:nvPr/>
+        </p:nvPicPr>
+        <p:blipFill>
+          <a:blip r:embed="rId6">
+            <a:extLst>
+              <a:ext uri="{28A0092B-C50C-407E-A947-70E740481C1C}">
+                <a14:useLocalDpi xmlns:a14="http://schemas.microsoft.com/office/drawing/2010/main" val="0"/>
+              </a:ext>
+            </a:extLst>
+          </a:blip>
+          <a:stretch>
+            <a:fillRect/>
+          </a:stretch>
+        </p:blipFill>
+        <p:spPr>
+          <a:xfrm>
+            <a:off x="6975722" y="4002087"/>
+            <a:ext cx="826281" cy="826281"/>
+          </a:xfrm>
+          <a:prstGeom prst="rect">
+            <a:avLst/>
+          </a:prstGeom>
+        </p:spPr>
+      </p:pic>
     </p:spTree>
     <p:extLst>
       <p:ext uri="{BB962C8B-B14F-4D97-AF65-F5344CB8AC3E}">
@@ -9613,76 +9788,70 @@
           <a:chExt cx="0" cy="0"/>
         </a:xfrm>
       </p:grpSpPr>
-      <p:cxnSp>
-        <p:nvCxnSpPr>
-          <p:cNvPr id="13" name="직선 화살표 연결선 12">
-            <a:extLst>
-              <a:ext uri="{FF2B5EF4-FFF2-40B4-BE49-F238E27FC236}">
-                <a16:creationId xmlns:a16="http://schemas.microsoft.com/office/drawing/2014/main" id="{A548419A-4D7B-AE09-94D9-745B689AC0A8}"/>
-              </a:ext>
-            </a:extLst>
-          </p:cNvPr>
-          <p:cNvCxnSpPr/>
+      <p:sp>
+        <p:nvSpPr>
+          <p:cNvPr id="3" name="제목 1">
+            <a:extLst>
+              <a:ext uri="{FF2B5EF4-FFF2-40B4-BE49-F238E27FC236}">
+                <a16:creationId xmlns:a16="http://schemas.microsoft.com/office/drawing/2014/main" id="{6F410F29-5DED-6D44-8750-53DE0A1F4095}"/>
+              </a:ext>
+            </a:extLst>
+          </p:cNvPr>
+          <p:cNvSpPr txBox="1">
+            <a:spLocks/>
+          </p:cNvSpPr>
           <p:nvPr/>
-        </p:nvCxnSpPr>
-        <p:spPr>
-          <a:xfrm>
-            <a:off x="1253705" y="1397479"/>
-            <a:ext cx="0" cy="4813540"/>
-          </a:xfrm>
-          <a:prstGeom prst="straightConnector1">
+        </p:nvSpPr>
+        <p:spPr>
+          <a:xfrm>
+            <a:off x="659921" y="304801"/>
+            <a:ext cx="6902570" cy="707366"/>
+          </a:xfrm>
+          <a:prstGeom prst="rect">
             <a:avLst/>
           </a:prstGeom>
-          <a:ln>
-            <a:tailEnd type="triangle"/>
-          </a:ln>
-        </p:spPr>
-        <p:style>
-          <a:lnRef idx="3">
-            <a:schemeClr val="dk1"/>
-          </a:lnRef>
-          <a:fillRef idx="0">
-            <a:schemeClr val="dk1"/>
-          </a:fillRef>
-          <a:effectRef idx="2">
-            <a:schemeClr val="dk1"/>
-          </a:effectRef>
-          <a:fontRef idx="minor">
-            <a:schemeClr val="tx1"/>
-          </a:fontRef>
-        </p:style>
-      </p:cxnSp>
-      <p:sp>
-        <p:nvSpPr>
-          <p:cNvPr id="2" name="제목 1">
-            <a:extLst>
-              <a:ext uri="{FF2B5EF4-FFF2-40B4-BE49-F238E27FC236}">
-                <a16:creationId xmlns:a16="http://schemas.microsoft.com/office/drawing/2014/main" id="{F36D911F-5294-CD7B-56B4-E6BF0BDA9532}"/>
-              </a:ext>
-            </a:extLst>
-          </p:cNvPr>
-          <p:cNvSpPr>
-            <a:spLocks noGrp="1"/>
-          </p:cNvSpPr>
-          <p:nvPr>
-            <p:ph type="title"/>
-          </p:nvPr>
-        </p:nvSpPr>
-        <p:spPr>
-          <a:xfrm>
-            <a:off x="953219" y="379756"/>
-            <a:ext cx="4746171" cy="1131661"/>
-          </a:xfrm>
         </p:spPr>
         <p:txBody>
-          <a:bodyPr/>
-          <a:lstStyle/>
-          <a:p>
-            <a:r>
-              <a:rPr lang="en-US" altLang="ko-KR" dirty="0"/>
-              <a:t>Projects</a:t>
-            </a:r>
-            <a:endParaRPr lang="ko-KR" altLang="en-US" dirty="0"/>
+          <a:bodyPr vert="horz" lIns="91440" tIns="45720" rIns="91440" bIns="45720" rtlCol="0" anchor="ctr">
+            <a:noAutofit/>
+          </a:bodyPr>
+          <a:lstStyle>
+            <a:lvl1pPr algn="l" defTabSz="914400" rtl="0" eaLnBrk="1" latinLnBrk="1" hangingPunct="1">
+              <a:lnSpc>
+                <a:spcPct val="90000"/>
+              </a:lnSpc>
+              <a:spcBef>
+                <a:spcPct val="0"/>
+              </a:spcBef>
+              <a:buNone/>
+              <a:defRPr sz="4400" kern="1200">
+                <a:solidFill>
+                  <a:schemeClr val="tx1"/>
+                </a:solidFill>
+                <a:latin typeface="+mj-lt"/>
+                <a:ea typeface="+mj-ea"/>
+                <a:cs typeface="+mj-cs"/>
+              </a:defRPr>
+            </a:lvl1pPr>
+          </a:lstStyle>
+          <a:p>
+            <a:r>
+              <a:rPr lang="ko-KR" altLang="en-US" sz="4000" dirty="0"/>
+              <a:t>색다른 </a:t>
+            </a:r>
+            <a:r>
+              <a:rPr lang="ko-KR" altLang="en-US" sz="4000" dirty="0" err="1"/>
+              <a:t>마크판</a:t>
+            </a:r>
+            <a:r>
+              <a:rPr lang="ko-KR" altLang="en-US" sz="4000" dirty="0"/>
+              <a:t> </a:t>
+            </a:r>
+            <a:r>
+              <a:rPr lang="ko-KR" altLang="en-US" sz="4000" dirty="0" err="1"/>
+              <a:t>배틀그라운드</a:t>
+            </a:r>
+            <a:endParaRPr lang="ko-KR" altLang="en-US" sz="4000" dirty="0"/>
           </a:p>
         </p:txBody>
       </p:sp>
@@ -9691,7 +9860,7 @@
           <p:cNvPr id="4" name="TextBox 3">
             <a:extLst>
               <a:ext uri="{FF2B5EF4-FFF2-40B4-BE49-F238E27FC236}">
-                <a16:creationId xmlns:a16="http://schemas.microsoft.com/office/drawing/2014/main" id="{CD52D3EF-F54A-A458-89AB-BE25F08DCC5B}"/>
+                <a16:creationId xmlns:a16="http://schemas.microsoft.com/office/drawing/2014/main" id="{344C3E0C-E4FD-545A-1B18-C0A24F82D9C5}"/>
               </a:ext>
             </a:extLst>
           </p:cNvPr>
@@ -9700,7 +9869,7 @@
         </p:nvSpPr>
         <p:spPr>
           <a:xfrm>
-            <a:off x="11289103" y="310550"/>
+            <a:off x="11128076" y="308739"/>
             <a:ext cx="557841" cy="369332"/>
           </a:xfrm>
           <a:prstGeom prst="rect">
@@ -9719,7 +9888,7 @@
                 <a:latin typeface="MS Gothic" panose="020B0609070205080204" pitchFamily="49" charset="-128"/>
                 <a:ea typeface="MS Gothic" panose="020B0609070205080204" pitchFamily="49" charset="-128"/>
               </a:rPr>
-              <a:t>P</a:t>
+              <a:t>P-2</a:t>
             </a:r>
             <a:endParaRPr lang="ko-KR" altLang="en-US" dirty="0">
               <a:latin typeface="MS Gothic" panose="020B0609070205080204" pitchFamily="49" charset="-128"/>
@@ -9727,168 +9896,508 @@
           </a:p>
         </p:txBody>
       </p:sp>
+      <p:grpSp>
+        <p:nvGrpSpPr>
+          <p:cNvPr id="2" name="그룹 1">
+            <a:extLst>
+              <a:ext uri="{FF2B5EF4-FFF2-40B4-BE49-F238E27FC236}">
+                <a16:creationId xmlns:a16="http://schemas.microsoft.com/office/drawing/2014/main" id="{FBC958D2-3208-9648-C309-2A190AC7AA6A}"/>
+              </a:ext>
+            </a:extLst>
+          </p:cNvPr>
+          <p:cNvGrpSpPr/>
+          <p:nvPr/>
+        </p:nvGrpSpPr>
+        <p:grpSpPr>
+          <a:xfrm>
+            <a:off x="7525111" y="891396"/>
+            <a:ext cx="4097546" cy="5612921"/>
+            <a:chOff x="7525111" y="891396"/>
+            <a:chExt cx="4097546" cy="5612921"/>
+          </a:xfrm>
+        </p:grpSpPr>
+        <p:sp>
+          <p:nvSpPr>
+            <p:cNvPr id="5" name="사각형: 둥근 모서리 4">
+              <a:extLst>
+                <a:ext uri="{FF2B5EF4-FFF2-40B4-BE49-F238E27FC236}">
+                  <a16:creationId xmlns:a16="http://schemas.microsoft.com/office/drawing/2014/main" id="{E48A4D7E-3F29-AF0C-F23E-4A8A46AF89FE}"/>
+                </a:ext>
+              </a:extLst>
+            </p:cNvPr>
+            <p:cNvSpPr/>
+            <p:nvPr/>
+          </p:nvSpPr>
+          <p:spPr>
+            <a:xfrm>
+              <a:off x="7525111" y="891396"/>
+              <a:ext cx="4097546" cy="5612921"/>
+            </a:xfrm>
+            <a:prstGeom prst="roundRect">
+              <a:avLst/>
+            </a:prstGeom>
+            <a:solidFill>
+              <a:schemeClr val="accent5">
+                <a:lumMod val="40000"/>
+                <a:lumOff val="60000"/>
+              </a:schemeClr>
+            </a:solidFill>
+            <a:ln>
+              <a:noFill/>
+            </a:ln>
+          </p:spPr>
+          <p:style>
+            <a:lnRef idx="2">
+              <a:schemeClr val="accent1">
+                <a:shade val="15000"/>
+              </a:schemeClr>
+            </a:lnRef>
+            <a:fillRef idx="1">
+              <a:schemeClr val="accent1"/>
+            </a:fillRef>
+            <a:effectRef idx="0">
+              <a:schemeClr val="accent1"/>
+            </a:effectRef>
+            <a:fontRef idx="minor">
+              <a:schemeClr val="lt1"/>
+            </a:fontRef>
+          </p:style>
+          <p:txBody>
+            <a:bodyPr rtlCol="0" anchor="ctr"/>
+            <a:lstStyle/>
+            <a:p>
+              <a:pPr algn="ctr"/>
+              <a:endParaRPr lang="ko-KR" altLang="en-US"/>
+            </a:p>
+          </p:txBody>
+        </p:sp>
+        <p:sp>
+          <p:nvSpPr>
+            <p:cNvPr id="6" name="TextBox 5">
+              <a:extLst>
+                <a:ext uri="{FF2B5EF4-FFF2-40B4-BE49-F238E27FC236}">
+                  <a16:creationId xmlns:a16="http://schemas.microsoft.com/office/drawing/2014/main" id="{24F32B53-256C-77C4-F7CC-684FB1FDB428}"/>
+                </a:ext>
+              </a:extLst>
+            </p:cNvPr>
+            <p:cNvSpPr txBox="1"/>
+            <p:nvPr/>
+          </p:nvSpPr>
+          <p:spPr>
+            <a:xfrm>
+              <a:off x="8791756" y="1184694"/>
+              <a:ext cx="1564256" cy="584775"/>
+            </a:xfrm>
+            <a:prstGeom prst="rect">
+              <a:avLst/>
+            </a:prstGeom>
+            <a:noFill/>
+          </p:spPr>
+          <p:txBody>
+            <a:bodyPr wrap="square" rtlCol="0">
+              <a:spAutoFit/>
+            </a:bodyPr>
+            <a:lstStyle/>
+            <a:p>
+              <a:r>
+                <a:rPr lang="ko-KR" altLang="en-US" sz="3200" b="1" dirty="0">
+                  <a:latin typeface="Cascadia Mono" panose="020B0609020000020004" pitchFamily="49" charset="0"/>
+                  <a:cs typeface="Cascadia Mono" panose="020B0609020000020004" pitchFamily="49" charset="0"/>
+                </a:rPr>
+                <a:t>결과물</a:t>
+              </a:r>
+            </a:p>
+          </p:txBody>
+        </p:sp>
+      </p:grpSp>
+      <p:grpSp>
+        <p:nvGrpSpPr>
+          <p:cNvPr id="7" name="그룹 6">
+            <a:extLst>
+              <a:ext uri="{FF2B5EF4-FFF2-40B4-BE49-F238E27FC236}">
+                <a16:creationId xmlns:a16="http://schemas.microsoft.com/office/drawing/2014/main" id="{44F782C0-C184-7E13-CF3E-26B5DC52B002}"/>
+              </a:ext>
+            </a:extLst>
+          </p:cNvPr>
+          <p:cNvGrpSpPr/>
+          <p:nvPr/>
+        </p:nvGrpSpPr>
+        <p:grpSpPr>
+          <a:xfrm>
+            <a:off x="705929" y="2628780"/>
+            <a:ext cx="5457645" cy="1600439"/>
+            <a:chOff x="638355" y="1184694"/>
+            <a:chExt cx="5457645" cy="1600439"/>
+          </a:xfrm>
+        </p:grpSpPr>
+        <p:sp>
+          <p:nvSpPr>
+            <p:cNvPr id="8" name="TextBox 7">
+              <a:extLst>
+                <a:ext uri="{FF2B5EF4-FFF2-40B4-BE49-F238E27FC236}">
+                  <a16:creationId xmlns:a16="http://schemas.microsoft.com/office/drawing/2014/main" id="{3D66756A-E2C2-35D0-0FC6-9CFBC4D38DB9}"/>
+                </a:ext>
+              </a:extLst>
+            </p:cNvPr>
+            <p:cNvSpPr txBox="1"/>
+            <p:nvPr/>
+          </p:nvSpPr>
+          <p:spPr>
+            <a:xfrm>
+              <a:off x="638355" y="1184694"/>
+              <a:ext cx="1362973" cy="400110"/>
+            </a:xfrm>
+            <a:prstGeom prst="rect">
+              <a:avLst/>
+            </a:prstGeom>
+            <a:noFill/>
+          </p:spPr>
+          <p:txBody>
+            <a:bodyPr wrap="square" rtlCol="0">
+              <a:spAutoFit/>
+            </a:bodyPr>
+            <a:lstStyle/>
+            <a:p>
+              <a:r>
+                <a:rPr lang="ko-KR" altLang="en-US" sz="2000" b="1" dirty="0"/>
+                <a:t>착수 배경</a:t>
+              </a:r>
+            </a:p>
+          </p:txBody>
+        </p:sp>
+        <p:sp>
+          <p:nvSpPr>
+            <p:cNvPr id="9" name="TextBox 8">
+              <a:extLst>
+                <a:ext uri="{FF2B5EF4-FFF2-40B4-BE49-F238E27FC236}">
+                  <a16:creationId xmlns:a16="http://schemas.microsoft.com/office/drawing/2014/main" id="{6576913D-EC0C-F75D-2742-8471873CF598}"/>
+                </a:ext>
+              </a:extLst>
+            </p:cNvPr>
+            <p:cNvSpPr txBox="1"/>
+            <p:nvPr/>
+          </p:nvSpPr>
+          <p:spPr>
+            <a:xfrm>
+              <a:off x="638355" y="1584804"/>
+              <a:ext cx="5457645" cy="1200329"/>
+            </a:xfrm>
+            <a:prstGeom prst="rect">
+              <a:avLst/>
+            </a:prstGeom>
+            <a:noFill/>
+          </p:spPr>
+          <p:txBody>
+            <a:bodyPr wrap="square" rtlCol="0">
+              <a:spAutoFit/>
+            </a:bodyPr>
+            <a:lstStyle/>
+            <a:p>
+              <a:r>
+                <a:rPr lang="en-US" altLang="ko-KR" dirty="0">
+                  <a:latin typeface="Calibri Light" panose="020F0302020204030204" pitchFamily="34" charset="0"/>
+                  <a:cs typeface="Calibri Light" panose="020F0302020204030204" pitchFamily="34" charset="0"/>
+                </a:rPr>
+                <a:t>‘</a:t>
+              </a:r>
+              <a:r>
+                <a:rPr lang="ko-KR" altLang="en-US" dirty="0">
+                  <a:latin typeface="Calibri Light" panose="020F0302020204030204" pitchFamily="34" charset="0"/>
+                  <a:cs typeface="Calibri Light" panose="020F0302020204030204" pitchFamily="34" charset="0"/>
+                </a:rPr>
+                <a:t>마인크래프트</a:t>
+              </a:r>
+              <a:r>
+                <a:rPr lang="en-US" altLang="ko-KR" dirty="0">
+                  <a:latin typeface="Calibri Light" panose="020F0302020204030204" pitchFamily="34" charset="0"/>
+                  <a:cs typeface="Calibri Light" panose="020F0302020204030204" pitchFamily="34" charset="0"/>
+                </a:rPr>
+                <a:t>’</a:t>
+              </a:r>
+              <a:r>
+                <a:rPr lang="ko-KR" altLang="en-US" dirty="0">
+                  <a:latin typeface="Calibri Light" panose="020F0302020204030204" pitchFamily="34" charset="0"/>
+                  <a:cs typeface="Calibri Light" panose="020F0302020204030204" pitchFamily="34" charset="0"/>
+                </a:rPr>
+                <a:t>에 존재하는 </a:t>
+              </a:r>
+              <a:r>
+                <a:rPr lang="ko-KR" altLang="en-US" dirty="0" err="1">
+                  <a:latin typeface="Calibri Light" panose="020F0302020204030204" pitchFamily="34" charset="0"/>
+                  <a:cs typeface="Calibri Light" panose="020F0302020204030204" pitchFamily="34" charset="0"/>
+                </a:rPr>
+                <a:t>배틀그라운드</a:t>
+              </a:r>
+              <a:r>
+                <a:rPr lang="ko-KR" altLang="en-US" dirty="0">
+                  <a:latin typeface="Calibri Light" panose="020F0302020204030204" pitchFamily="34" charset="0"/>
+                  <a:cs typeface="Calibri Light" panose="020F0302020204030204" pitchFamily="34" charset="0"/>
+                </a:rPr>
+                <a:t> </a:t>
+              </a:r>
+              <a:r>
+                <a:rPr lang="en-US" altLang="ko-KR" dirty="0" err="1">
+                  <a:latin typeface="Calibri Light" panose="020F0302020204030204" pitchFamily="34" charset="0"/>
+                  <a:cs typeface="Calibri Light" panose="020F0302020204030204" pitchFamily="34" charset="0"/>
+                </a:rPr>
+                <a:t>apk</a:t>
+              </a:r>
+              <a:r>
+                <a:rPr lang="ko-KR" altLang="en-US" dirty="0">
+                  <a:latin typeface="Calibri Light" panose="020F0302020204030204" pitchFamily="34" charset="0"/>
+                  <a:cs typeface="Calibri Light" panose="020F0302020204030204" pitchFamily="34" charset="0"/>
+                </a:rPr>
+                <a:t>가 아닌 좀 더 움직임이 인간적이고 구형</a:t>
+              </a:r>
+              <a:r>
+                <a:rPr lang="en-US" altLang="ko-KR" dirty="0">
+                  <a:latin typeface="Calibri Light" panose="020F0302020204030204" pitchFamily="34" charset="0"/>
+                  <a:cs typeface="Calibri Light" panose="020F0302020204030204" pitchFamily="34" charset="0"/>
+                </a:rPr>
+                <a:t>,</a:t>
+              </a:r>
+              <a:r>
+                <a:rPr lang="ko-KR" altLang="en-US" dirty="0">
+                  <a:latin typeface="Calibri Light" panose="020F0302020204030204" pitchFamily="34" charset="0"/>
+                  <a:cs typeface="Calibri Light" panose="020F0302020204030204" pitchFamily="34" charset="0"/>
+                </a:rPr>
+                <a:t>구조가 자연이 아닌 도시 배경인 </a:t>
+              </a:r>
+              <a:r>
+                <a:rPr lang="ko-KR" altLang="en-US" dirty="0" err="1">
+                  <a:latin typeface="Calibri Light" panose="020F0302020204030204" pitchFamily="34" charset="0"/>
+                  <a:cs typeface="Calibri Light" panose="020F0302020204030204" pitchFamily="34" charset="0"/>
+                </a:rPr>
+                <a:t>배틀그라운드와</a:t>
+              </a:r>
+              <a:r>
+                <a:rPr lang="ko-KR" altLang="en-US" dirty="0">
+                  <a:latin typeface="Calibri Light" panose="020F0302020204030204" pitchFamily="34" charset="0"/>
+                  <a:cs typeface="Calibri Light" panose="020F0302020204030204" pitchFamily="34" charset="0"/>
+                </a:rPr>
+                <a:t> 다름없어 보이는 게임을 제공하기 위함</a:t>
+              </a:r>
+              <a:r>
+                <a:rPr lang="en-US" altLang="ko-KR" dirty="0">
+                  <a:latin typeface="Calibri Light" panose="020F0302020204030204" pitchFamily="34" charset="0"/>
+                  <a:cs typeface="Calibri Light" panose="020F0302020204030204" pitchFamily="34" charset="0"/>
+                </a:rPr>
+                <a:t>.</a:t>
+              </a:r>
+              <a:endParaRPr lang="ko-KR" altLang="en-US" dirty="0"/>
+            </a:p>
+          </p:txBody>
+        </p:sp>
+      </p:grpSp>
+      <p:grpSp>
+        <p:nvGrpSpPr>
+          <p:cNvPr id="10" name="그룹 9">
+            <a:extLst>
+              <a:ext uri="{FF2B5EF4-FFF2-40B4-BE49-F238E27FC236}">
+                <a16:creationId xmlns:a16="http://schemas.microsoft.com/office/drawing/2014/main" id="{91EDF4D4-184A-978A-7D36-8C2CC5954C7A}"/>
+              </a:ext>
+            </a:extLst>
+          </p:cNvPr>
+          <p:cNvGrpSpPr/>
+          <p:nvPr/>
+        </p:nvGrpSpPr>
+        <p:grpSpPr>
+          <a:xfrm>
+            <a:off x="659921" y="4335183"/>
+            <a:ext cx="5894717" cy="2341598"/>
+            <a:chOff x="638355" y="2705859"/>
+            <a:chExt cx="5894717" cy="2341598"/>
+          </a:xfrm>
+        </p:grpSpPr>
+        <p:sp>
+          <p:nvSpPr>
+            <p:cNvPr id="11" name="TextBox 10">
+              <a:extLst>
+                <a:ext uri="{FF2B5EF4-FFF2-40B4-BE49-F238E27FC236}">
+                  <a16:creationId xmlns:a16="http://schemas.microsoft.com/office/drawing/2014/main" id="{454BCFBC-98B4-116E-A61B-B2FC3D3627CD}"/>
+                </a:ext>
+              </a:extLst>
+            </p:cNvPr>
+            <p:cNvSpPr txBox="1"/>
+            <p:nvPr/>
+          </p:nvSpPr>
+          <p:spPr>
+            <a:xfrm>
+              <a:off x="638355" y="2705859"/>
+              <a:ext cx="1731034" cy="400110"/>
+            </a:xfrm>
+            <a:prstGeom prst="rect">
+              <a:avLst/>
+            </a:prstGeom>
+            <a:noFill/>
+          </p:spPr>
+          <p:txBody>
+            <a:bodyPr wrap="square" rtlCol="0">
+              <a:spAutoFit/>
+            </a:bodyPr>
+            <a:lstStyle/>
+            <a:p>
+              <a:r>
+                <a:rPr lang="ko-KR" altLang="en-US" sz="2000" b="1" dirty="0"/>
+                <a:t>시스템 개발</a:t>
+              </a:r>
+            </a:p>
+          </p:txBody>
+        </p:sp>
+        <p:sp>
+          <p:nvSpPr>
+            <p:cNvPr id="12" name="TextBox 11">
+              <a:extLst>
+                <a:ext uri="{FF2B5EF4-FFF2-40B4-BE49-F238E27FC236}">
+                  <a16:creationId xmlns:a16="http://schemas.microsoft.com/office/drawing/2014/main" id="{75DE88E0-913F-3ADD-6542-620631EAEFC5}"/>
+                </a:ext>
+              </a:extLst>
+            </p:cNvPr>
+            <p:cNvSpPr txBox="1"/>
+            <p:nvPr/>
+          </p:nvSpPr>
+          <p:spPr>
+            <a:xfrm>
+              <a:off x="638355" y="3016132"/>
+              <a:ext cx="5894717" cy="2031325"/>
+            </a:xfrm>
+            <a:prstGeom prst="rect">
+              <a:avLst/>
+            </a:prstGeom>
+            <a:noFill/>
+          </p:spPr>
+          <p:txBody>
+            <a:bodyPr wrap="square" rtlCol="0">
+              <a:spAutoFit/>
+            </a:bodyPr>
+            <a:lstStyle/>
+            <a:p>
+              <a:pPr algn="l"/>
+              <a:r>
+                <a:rPr lang="en-US" altLang="ko-KR" b="0" i="0" dirty="0">
+                  <a:effectLst/>
+                  <a:latin typeface="-apple-system"/>
+                </a:rPr>
+                <a:t>Unity </a:t>
+              </a:r>
+              <a:r>
+                <a:rPr lang="ko-KR" altLang="en-US" b="0" i="0" dirty="0">
+                  <a:effectLst/>
+                  <a:latin typeface="-apple-system"/>
+                </a:rPr>
+                <a:t>게임 엔진을 활용하여 </a:t>
+              </a:r>
+              <a:r>
+                <a:rPr lang="ko-KR" altLang="en-US" b="0" i="0" dirty="0" err="1">
+                  <a:effectLst/>
+                  <a:latin typeface="-apple-system"/>
+                </a:rPr>
+                <a:t>배틀그라운드</a:t>
+              </a:r>
+              <a:r>
+                <a:rPr lang="ko-KR" altLang="en-US" b="0" i="0" dirty="0">
+                  <a:effectLst/>
+                  <a:latin typeface="-apple-system"/>
+                </a:rPr>
+                <a:t> 장르의 </a:t>
+              </a:r>
+              <a:r>
+                <a:rPr lang="en-US" altLang="ko-KR" b="0" i="0" dirty="0">
+                  <a:effectLst/>
+                  <a:latin typeface="-apple-system"/>
+                </a:rPr>
+                <a:t>3D </a:t>
+              </a:r>
+              <a:r>
+                <a:rPr lang="ko-KR" altLang="en-US" b="0" i="0" dirty="0">
+                  <a:effectLst/>
+                  <a:latin typeface="-apple-system"/>
+                </a:rPr>
+                <a:t>멀티플레이어 게임 플랫폼으로</a:t>
+              </a:r>
+              <a:r>
+                <a:rPr lang="en-US" altLang="ko-KR" b="0" i="0" dirty="0">
+                  <a:effectLst/>
+                  <a:latin typeface="-apple-system"/>
+                </a:rPr>
+                <a:t>, </a:t>
+              </a:r>
+              <a:r>
+                <a:rPr lang="ko-KR" altLang="en-US" b="0" i="0" dirty="0">
+                  <a:effectLst/>
+                  <a:latin typeface="-apple-system"/>
+                </a:rPr>
+                <a:t>플레이어의 캐릭터 동작과 애니메이션에 중점을 두어</a:t>
+              </a:r>
+              <a:r>
+                <a:rPr lang="en-US" altLang="ko-KR" b="0" i="0" dirty="0">
+                  <a:effectLst/>
+                  <a:latin typeface="-apple-system"/>
+                </a:rPr>
+                <a:t>, </a:t>
+              </a:r>
+              <a:r>
+                <a:rPr lang="ko-KR" altLang="en-US" b="0" i="0" dirty="0">
+                  <a:effectLst/>
+                  <a:latin typeface="-apple-system"/>
+                </a:rPr>
+                <a:t>마치 실제 사람이 움직이는 것과 같은 자연스러운 느낌을 구현</a:t>
+              </a:r>
+              <a:r>
+                <a:rPr lang="en-US" altLang="ko-KR" b="0" i="0" dirty="0">
+                  <a:effectLst/>
+                  <a:latin typeface="-apple-system"/>
+                </a:rPr>
+                <a:t>.</a:t>
+              </a:r>
+            </a:p>
+            <a:p>
+              <a:pPr algn="l"/>
+              <a:r>
+                <a:rPr lang="ko-KR" altLang="en-US" b="0" i="0" dirty="0">
+                  <a:effectLst/>
+                  <a:latin typeface="-apple-system"/>
+                </a:rPr>
+                <a:t>또한 상호작용이 가능한 다양한 도시 배경 오브젝트를 배치하여</a:t>
+              </a:r>
+              <a:r>
+                <a:rPr lang="en-US" altLang="ko-KR" b="0" i="0" dirty="0">
+                  <a:effectLst/>
+                  <a:latin typeface="-apple-system"/>
+                </a:rPr>
+                <a:t>, </a:t>
+              </a:r>
+              <a:r>
+                <a:rPr lang="ko-KR" altLang="en-US" b="0" i="0" dirty="0">
+                  <a:effectLst/>
+                  <a:latin typeface="-apple-system"/>
+                </a:rPr>
+                <a:t>게임 환경에 대한 몰입도를 높임</a:t>
+              </a:r>
+              <a:r>
+                <a:rPr lang="en-US" altLang="ko-KR" b="0" i="0" dirty="0">
+                  <a:effectLst/>
+                  <a:latin typeface="-apple-system"/>
+                </a:rPr>
+                <a:t>.</a:t>
+              </a:r>
+              <a:endParaRPr lang="en-US" altLang="ko-KR" b="0" dirty="0">
+                <a:effectLst/>
+                <a:latin typeface="Consolas" panose="020B0609020204030204" pitchFamily="49" charset="0"/>
+              </a:endParaRPr>
+            </a:p>
+            <a:p>
+              <a:endParaRPr lang="ko-KR" altLang="en-US" dirty="0"/>
+            </a:p>
+          </p:txBody>
+        </p:sp>
+      </p:grpSp>
       <p:sp>
         <p:nvSpPr>
-          <p:cNvPr id="6" name="순서도: 순차적 액세스 저장소 5">
-            <a:extLst>
-              <a:ext uri="{FF2B5EF4-FFF2-40B4-BE49-F238E27FC236}">
-                <a16:creationId xmlns:a16="http://schemas.microsoft.com/office/drawing/2014/main" id="{669467F7-E975-1B5A-C006-276311CC3C86}"/>
-              </a:ext>
-            </a:extLst>
-          </p:cNvPr>
-          <p:cNvSpPr/>
-          <p:nvPr/>
-        </p:nvSpPr>
-        <p:spPr>
-          <a:xfrm>
-            <a:off x="741869" y="1663469"/>
-            <a:ext cx="954657" cy="938485"/>
-          </a:xfrm>
-          <a:prstGeom prst="flowChartMagneticTape">
-            <a:avLst/>
-          </a:prstGeom>
-          <a:solidFill>
-            <a:srgbClr val="7030A0"/>
-          </a:solidFill>
-          <a:ln>
-            <a:noFill/>
-          </a:ln>
-        </p:spPr>
-        <p:style>
-          <a:lnRef idx="2">
-            <a:schemeClr val="accent1">
-              <a:shade val="15000"/>
-            </a:schemeClr>
-          </a:lnRef>
-          <a:fillRef idx="1">
-            <a:schemeClr val="accent1"/>
-          </a:fillRef>
-          <a:effectRef idx="0">
-            <a:schemeClr val="accent1"/>
-          </a:effectRef>
-          <a:fontRef idx="minor">
-            <a:schemeClr val="lt1"/>
-          </a:fontRef>
-        </p:style>
-        <p:txBody>
-          <a:bodyPr rtlCol="0" anchor="ctr"/>
-          <a:lstStyle/>
-          <a:p>
-            <a:pPr algn="ctr"/>
-            <a:endParaRPr lang="ko-KR" altLang="en-US"/>
-          </a:p>
-        </p:txBody>
-      </p:sp>
-      <p:sp>
-        <p:nvSpPr>
-          <p:cNvPr id="7" name="순서도: 순차적 액세스 저장소 6">
-            <a:extLst>
-              <a:ext uri="{FF2B5EF4-FFF2-40B4-BE49-F238E27FC236}">
-                <a16:creationId xmlns:a16="http://schemas.microsoft.com/office/drawing/2014/main" id="{4BE76BD2-6AC2-B520-B022-DAE052795AED}"/>
-              </a:ext>
-            </a:extLst>
-          </p:cNvPr>
-          <p:cNvSpPr/>
-          <p:nvPr/>
-        </p:nvSpPr>
-        <p:spPr>
-          <a:xfrm>
-            <a:off x="741869" y="3072798"/>
-            <a:ext cx="954657" cy="938485"/>
-          </a:xfrm>
-          <a:prstGeom prst="flowChartMagneticTape">
-            <a:avLst/>
-          </a:prstGeom>
-          <a:solidFill>
-            <a:srgbClr val="7030A0"/>
-          </a:solidFill>
-          <a:ln>
-            <a:noFill/>
-          </a:ln>
-        </p:spPr>
-        <p:style>
-          <a:lnRef idx="2">
-            <a:schemeClr val="accent1">
-              <a:shade val="15000"/>
-            </a:schemeClr>
-          </a:lnRef>
-          <a:fillRef idx="1">
-            <a:schemeClr val="accent1"/>
-          </a:fillRef>
-          <a:effectRef idx="0">
-            <a:schemeClr val="accent1"/>
-          </a:effectRef>
-          <a:fontRef idx="minor">
-            <a:schemeClr val="lt1"/>
-          </a:fontRef>
-        </p:style>
-        <p:txBody>
-          <a:bodyPr rtlCol="0" anchor="ctr"/>
-          <a:lstStyle/>
-          <a:p>
-            <a:pPr algn="ctr"/>
-            <a:endParaRPr lang="ko-KR" altLang="en-US"/>
-          </a:p>
-        </p:txBody>
-      </p:sp>
-      <p:sp>
-        <p:nvSpPr>
-          <p:cNvPr id="8" name="순서도: 순차적 액세스 저장소 7">
-            <a:extLst>
-              <a:ext uri="{FF2B5EF4-FFF2-40B4-BE49-F238E27FC236}">
-                <a16:creationId xmlns:a16="http://schemas.microsoft.com/office/drawing/2014/main" id="{CDCA4021-28D8-4F0D-F031-7FB28A636410}"/>
-              </a:ext>
-            </a:extLst>
-          </p:cNvPr>
-          <p:cNvSpPr/>
-          <p:nvPr/>
-        </p:nvSpPr>
-        <p:spPr>
-          <a:xfrm>
-            <a:off x="741870" y="4553666"/>
-            <a:ext cx="954657" cy="938485"/>
-          </a:xfrm>
-          <a:prstGeom prst="flowChartMagneticTape">
-            <a:avLst/>
-          </a:prstGeom>
-          <a:solidFill>
-            <a:srgbClr val="7030A0"/>
-          </a:solidFill>
-          <a:ln>
-            <a:noFill/>
-          </a:ln>
-        </p:spPr>
-        <p:style>
-          <a:lnRef idx="2">
-            <a:schemeClr val="accent1">
-              <a:shade val="15000"/>
-            </a:schemeClr>
-          </a:lnRef>
-          <a:fillRef idx="1">
-            <a:schemeClr val="accent1"/>
-          </a:fillRef>
-          <a:effectRef idx="0">
-            <a:schemeClr val="accent1"/>
-          </a:effectRef>
-          <a:fontRef idx="minor">
-            <a:schemeClr val="lt1"/>
-          </a:fontRef>
-        </p:style>
-        <p:txBody>
-          <a:bodyPr rtlCol="0" anchor="ctr"/>
-          <a:lstStyle/>
-          <a:p>
-            <a:pPr algn="ctr"/>
-            <a:endParaRPr lang="ko-KR" altLang="en-US"/>
-          </a:p>
-        </p:txBody>
-      </p:sp>
-      <p:sp>
-        <p:nvSpPr>
-          <p:cNvPr id="9" name="TextBox 8">
-            <a:extLst>
-              <a:ext uri="{FF2B5EF4-FFF2-40B4-BE49-F238E27FC236}">
-                <a16:creationId xmlns:a16="http://schemas.microsoft.com/office/drawing/2014/main" id="{C3355EE4-F66B-A881-2C1B-3013457D741B}"/>
+          <p:cNvPr id="14" name="TextBox 13">
+            <a:extLst>
+              <a:ext uri="{FF2B5EF4-FFF2-40B4-BE49-F238E27FC236}">
+                <a16:creationId xmlns:a16="http://schemas.microsoft.com/office/drawing/2014/main" id="{693CB9E2-6029-DD9E-EE93-9F073304BD13}"/>
               </a:ext>
             </a:extLst>
           </p:cNvPr>
@@ -9897,8 +10406,8 @@
         </p:nvSpPr>
         <p:spPr>
           <a:xfrm>
-            <a:off x="1019350" y="1742999"/>
-            <a:ext cx="399694" cy="707886"/>
+            <a:off x="705929" y="1287398"/>
+            <a:ext cx="4444044" cy="1261884"/>
           </a:xfrm>
           <a:prstGeom prst="rect">
             <a:avLst/>
@@ -9912,230 +10421,64 @@
           <a:lstStyle/>
           <a:p>
             <a:r>
-              <a:rPr lang="en-US" altLang="ko-KR" sz="4000" dirty="0">
-                <a:solidFill>
-                  <a:srgbClr val="FFFF00"/>
-                </a:solidFill>
-              </a:rPr>
-              <a:t>1</a:t>
-            </a:r>
-            <a:endParaRPr lang="ko-KR" altLang="en-US" sz="4000" dirty="0">
-              <a:solidFill>
-                <a:srgbClr val="FFFF00"/>
-              </a:solidFill>
-            </a:endParaRPr>
+              <a:rPr lang="ko-KR" altLang="en-US" sz="2000" b="1" dirty="0"/>
+              <a:t>사용 스킬</a:t>
+            </a:r>
+            <a:endParaRPr lang="en-US" altLang="ko-KR" sz="2000" b="1" dirty="0"/>
+          </a:p>
+          <a:p>
+            <a:r>
+              <a:rPr lang="en-US" altLang="ko-KR" b="1" dirty="0"/>
+              <a:t>- </a:t>
+            </a:r>
+            <a:r>
+              <a:rPr lang="en-US" altLang="ko-KR" dirty="0"/>
+              <a:t>HTML/CSS, Python </a:t>
+            </a:r>
+          </a:p>
+          <a:p>
+            <a:r>
+              <a:rPr lang="en-US" altLang="ko-KR" dirty="0"/>
+              <a:t>- </a:t>
+            </a:r>
+            <a:r>
+              <a:rPr lang="ko-KR" altLang="en-US" dirty="0"/>
+              <a:t>팀장</a:t>
+            </a:r>
+            <a:r>
+              <a:rPr lang="en-US" altLang="ko-KR" dirty="0"/>
+              <a:t>, </a:t>
+            </a:r>
+            <a:r>
+              <a:rPr lang="ko-KR" altLang="en-US" dirty="0"/>
+              <a:t>발표</a:t>
+            </a:r>
+            <a:endParaRPr lang="en-US" altLang="ko-KR" dirty="0"/>
+          </a:p>
+          <a:p>
+            <a:r>
+              <a:rPr lang="en-US" altLang="ko-KR" dirty="0"/>
+              <a:t>- </a:t>
+            </a:r>
+            <a:r>
+              <a:rPr lang="ko-KR" altLang="en-US" dirty="0"/>
+              <a:t>게임 캐릭터 모션</a:t>
+            </a:r>
+            <a:r>
+              <a:rPr lang="en-US" altLang="ko-KR" dirty="0"/>
+              <a:t>, </a:t>
+            </a:r>
+            <a:r>
+              <a:rPr lang="ko-KR" altLang="en-US" dirty="0"/>
+              <a:t>필드 구조물 생성</a:t>
+            </a:r>
           </a:p>
         </p:txBody>
       </p:sp>
-      <p:sp>
-        <p:nvSpPr>
-          <p:cNvPr id="10" name="TextBox 9">
-            <a:extLst>
-              <a:ext uri="{FF2B5EF4-FFF2-40B4-BE49-F238E27FC236}">
-                <a16:creationId xmlns:a16="http://schemas.microsoft.com/office/drawing/2014/main" id="{C384061E-8802-9230-788C-6CB2593D2E3A}"/>
-              </a:ext>
-            </a:extLst>
-          </p:cNvPr>
-          <p:cNvSpPr txBox="1"/>
-          <p:nvPr/>
-        </p:nvSpPr>
-        <p:spPr>
-          <a:xfrm>
-            <a:off x="1019350" y="3188097"/>
-            <a:ext cx="399694" cy="707886"/>
-          </a:xfrm>
-          <a:prstGeom prst="rect">
-            <a:avLst/>
-          </a:prstGeom>
-          <a:noFill/>
-        </p:spPr>
-        <p:txBody>
-          <a:bodyPr wrap="square" rtlCol="0">
-            <a:spAutoFit/>
-          </a:bodyPr>
-          <a:lstStyle/>
-          <a:p>
-            <a:r>
-              <a:rPr lang="en-US" altLang="ko-KR" sz="4000" dirty="0">
-                <a:solidFill>
-                  <a:srgbClr val="FFFF00"/>
-                </a:solidFill>
-              </a:rPr>
-              <a:t>2</a:t>
-            </a:r>
-            <a:endParaRPr lang="ko-KR" altLang="en-US" sz="4000" dirty="0">
-              <a:solidFill>
-                <a:srgbClr val="FFFF00"/>
-              </a:solidFill>
-            </a:endParaRPr>
-          </a:p>
-        </p:txBody>
-      </p:sp>
-      <p:sp>
-        <p:nvSpPr>
-          <p:cNvPr id="11" name="TextBox 10">
-            <a:extLst>
-              <a:ext uri="{FF2B5EF4-FFF2-40B4-BE49-F238E27FC236}">
-                <a16:creationId xmlns:a16="http://schemas.microsoft.com/office/drawing/2014/main" id="{A76ECC3E-1866-9281-0C35-2C37824C81AA}"/>
-              </a:ext>
-            </a:extLst>
-          </p:cNvPr>
-          <p:cNvSpPr txBox="1"/>
-          <p:nvPr/>
-        </p:nvSpPr>
-        <p:spPr>
-          <a:xfrm>
-            <a:off x="1019350" y="4668965"/>
-            <a:ext cx="399694" cy="707886"/>
-          </a:xfrm>
-          <a:prstGeom prst="rect">
-            <a:avLst/>
-          </a:prstGeom>
-          <a:noFill/>
-        </p:spPr>
-        <p:txBody>
-          <a:bodyPr wrap="square" rtlCol="0">
-            <a:spAutoFit/>
-          </a:bodyPr>
-          <a:lstStyle/>
-          <a:p>
-            <a:r>
-              <a:rPr lang="en-US" altLang="ko-KR" sz="4000" dirty="0">
-                <a:solidFill>
-                  <a:srgbClr val="FFFF00"/>
-                </a:solidFill>
-              </a:rPr>
-              <a:t>3</a:t>
-            </a:r>
-            <a:endParaRPr lang="ko-KR" altLang="en-US" sz="4000" dirty="0">
-              <a:solidFill>
-                <a:srgbClr val="FFFF00"/>
-              </a:solidFill>
-            </a:endParaRPr>
-          </a:p>
-        </p:txBody>
-      </p:sp>
-      <p:cxnSp>
-        <p:nvCxnSpPr>
-          <p:cNvPr id="16" name="직선 화살표 연결선 15">
-            <a:extLst>
-              <a:ext uri="{FF2B5EF4-FFF2-40B4-BE49-F238E27FC236}">
-                <a16:creationId xmlns:a16="http://schemas.microsoft.com/office/drawing/2014/main" id="{90284962-A014-6A10-9B34-3C1980F19C85}"/>
-              </a:ext>
-            </a:extLst>
-          </p:cNvPr>
-          <p:cNvCxnSpPr/>
-          <p:nvPr/>
-        </p:nvCxnSpPr>
-        <p:spPr>
-          <a:xfrm>
-            <a:off x="1696526" y="2536166"/>
-            <a:ext cx="6446810" cy="0"/>
-          </a:xfrm>
-          <a:prstGeom prst="straightConnector1">
-            <a:avLst/>
-          </a:prstGeom>
-          <a:ln>
-            <a:tailEnd type="triangle"/>
-          </a:ln>
-        </p:spPr>
-        <p:style>
-          <a:lnRef idx="2">
-            <a:schemeClr val="accent3"/>
-          </a:lnRef>
-          <a:fillRef idx="0">
-            <a:schemeClr val="accent3"/>
-          </a:fillRef>
-          <a:effectRef idx="1">
-            <a:schemeClr val="accent3"/>
-          </a:effectRef>
-          <a:fontRef idx="minor">
-            <a:schemeClr val="tx1"/>
-          </a:fontRef>
-        </p:style>
-      </p:cxnSp>
-      <p:cxnSp>
-        <p:nvCxnSpPr>
-          <p:cNvPr id="17" name="직선 화살표 연결선 16">
-            <a:extLst>
-              <a:ext uri="{FF2B5EF4-FFF2-40B4-BE49-F238E27FC236}">
-                <a16:creationId xmlns:a16="http://schemas.microsoft.com/office/drawing/2014/main" id="{49A4676A-9B84-C7BF-1EBD-C3DB33DF1E4C}"/>
-              </a:ext>
-            </a:extLst>
-          </p:cNvPr>
-          <p:cNvCxnSpPr/>
-          <p:nvPr/>
-        </p:nvCxnSpPr>
-        <p:spPr>
-          <a:xfrm>
-            <a:off x="1696526" y="5437517"/>
-            <a:ext cx="6446810" cy="0"/>
-          </a:xfrm>
-          <a:prstGeom prst="straightConnector1">
-            <a:avLst/>
-          </a:prstGeom>
-          <a:ln>
-            <a:tailEnd type="triangle"/>
-          </a:ln>
-        </p:spPr>
-        <p:style>
-          <a:lnRef idx="2">
-            <a:schemeClr val="accent3"/>
-          </a:lnRef>
-          <a:fillRef idx="0">
-            <a:schemeClr val="accent3"/>
-          </a:fillRef>
-          <a:effectRef idx="1">
-            <a:schemeClr val="accent3"/>
-          </a:effectRef>
-          <a:fontRef idx="minor">
-            <a:schemeClr val="tx1"/>
-          </a:fontRef>
-        </p:style>
-      </p:cxnSp>
-      <p:cxnSp>
-        <p:nvCxnSpPr>
-          <p:cNvPr id="18" name="직선 화살표 연결선 17">
-            <a:extLst>
-              <a:ext uri="{FF2B5EF4-FFF2-40B4-BE49-F238E27FC236}">
-                <a16:creationId xmlns:a16="http://schemas.microsoft.com/office/drawing/2014/main" id="{477EF0AA-11A4-F51F-B4AE-195650552F29}"/>
-              </a:ext>
-            </a:extLst>
-          </p:cNvPr>
-          <p:cNvCxnSpPr/>
-          <p:nvPr/>
-        </p:nvCxnSpPr>
-        <p:spPr>
-          <a:xfrm>
-            <a:off x="1696526" y="3956649"/>
-            <a:ext cx="6446810" cy="0"/>
-          </a:xfrm>
-          <a:prstGeom prst="straightConnector1">
-            <a:avLst/>
-          </a:prstGeom>
-          <a:ln>
-            <a:tailEnd type="triangle"/>
-          </a:ln>
-        </p:spPr>
-        <p:style>
-          <a:lnRef idx="2">
-            <a:schemeClr val="accent3"/>
-          </a:lnRef>
-          <a:fillRef idx="0">
-            <a:schemeClr val="accent3"/>
-          </a:fillRef>
-          <a:effectRef idx="1">
-            <a:schemeClr val="accent3"/>
-          </a:effectRef>
-          <a:fontRef idx="minor">
-            <a:schemeClr val="tx1"/>
-          </a:fontRef>
-        </p:style>
-      </p:cxnSp>
     </p:spTree>
     <p:extLst>
       <p:ext uri="{BB962C8B-B14F-4D97-AF65-F5344CB8AC3E}">
-        <p14:creationId xmlns:p14="http://schemas.microsoft.com/office/powerpoint/2010/main" val="608775595"/>
+        <p14:creationId xmlns:p14="http://schemas.microsoft.com/office/powerpoint/2010/main" val="428969090"/>
       </p:ext>
     </p:extLst>
   </p:cSld>
@@ -10167,53 +10510,41 @@
           <p:cNvPr id="3" name="제목 1">
             <a:extLst>
               <a:ext uri="{FF2B5EF4-FFF2-40B4-BE49-F238E27FC236}">
-                <a16:creationId xmlns:a16="http://schemas.microsoft.com/office/drawing/2014/main" id="{6F410F29-5DED-6D44-8750-53DE0A1F4095}"/>
-              </a:ext>
-            </a:extLst>
-          </p:cNvPr>
-          <p:cNvSpPr txBox="1">
-            <a:spLocks/>
+                <a16:creationId xmlns:a16="http://schemas.microsoft.com/office/drawing/2014/main" id="{73F2DBC5-80E1-8EEF-4509-221172655F0C}"/>
+              </a:ext>
+            </a:extLst>
+          </p:cNvPr>
+          <p:cNvSpPr>
+            <a:spLocks noGrp="1"/>
           </p:cNvSpPr>
-          <p:nvPr/>
+          <p:nvPr>
+            <p:ph type="title"/>
+          </p:nvPr>
         </p:nvSpPr>
         <p:spPr>
           <a:xfrm>
-            <a:off x="659921" y="304800"/>
-            <a:ext cx="2232803" cy="746543"/>
-          </a:xfrm>
-          <a:prstGeom prst="rect">
-            <a:avLst/>
-          </a:prstGeom>
+            <a:off x="688677" y="327997"/>
+            <a:ext cx="5838644" cy="695671"/>
+          </a:xfrm>
         </p:spPr>
         <p:txBody>
-          <a:bodyPr vert="horz" lIns="91440" tIns="45720" rIns="91440" bIns="45720" rtlCol="0" anchor="ctr">
-            <a:normAutofit/>
+          <a:bodyPr>
+            <a:normAutofit fontScale="90000"/>
           </a:bodyPr>
-          <a:lstStyle>
-            <a:lvl1pPr algn="l" defTabSz="914400" rtl="0" eaLnBrk="1" latinLnBrk="1" hangingPunct="1">
-              <a:lnSpc>
-                <a:spcPct val="90000"/>
-              </a:lnSpc>
-              <a:spcBef>
-                <a:spcPct val="0"/>
-              </a:spcBef>
-              <a:buNone/>
-              <a:defRPr sz="4400" kern="1200">
-                <a:solidFill>
-                  <a:schemeClr val="tx1"/>
-                </a:solidFill>
-                <a:latin typeface="+mj-lt"/>
-                <a:ea typeface="+mj-ea"/>
-                <a:cs typeface="+mj-cs"/>
-              </a:defRPr>
-            </a:lvl1pPr>
-          </a:lstStyle>
-          <a:p>
+          <a:lstStyle/>
+          <a:p>
+            <a:r>
+              <a:rPr lang="ko-KR" altLang="en-US" dirty="0"/>
+              <a:t>도서</a:t>
+            </a:r>
             <a:r>
               <a:rPr lang="en-US" altLang="ko-KR" dirty="0"/>
-              <a:t>Project1</a:t>
-            </a:r>
-            <a:endParaRPr lang="ko-KR" altLang="en-US" dirty="0"/>
+              <a:t>, </a:t>
+            </a:r>
+            <a:r>
+              <a:rPr lang="ko-KR" altLang="en-US" dirty="0"/>
+              <a:t>고객 정보 찾기 웹</a:t>
+            </a:r>
           </a:p>
         </p:txBody>
       </p:sp>
@@ -10222,7 +10553,7 @@
           <p:cNvPr id="4" name="TextBox 3">
             <a:extLst>
               <a:ext uri="{FF2B5EF4-FFF2-40B4-BE49-F238E27FC236}">
-                <a16:creationId xmlns:a16="http://schemas.microsoft.com/office/drawing/2014/main" id="{344C3E0C-E4FD-545A-1B18-C0A24F82D9C5}"/>
+                <a16:creationId xmlns:a16="http://schemas.microsoft.com/office/drawing/2014/main" id="{464F1D2F-B467-1C72-DF61-F9B593AA306F}"/>
               </a:ext>
             </a:extLst>
           </p:cNvPr>
@@ -10231,7 +10562,7 @@
         </p:nvSpPr>
         <p:spPr>
           <a:xfrm>
-            <a:off x="11128076" y="308739"/>
+            <a:off x="11179835" y="327997"/>
             <a:ext cx="557841" cy="369332"/>
           </a:xfrm>
           <a:prstGeom prst="rect">
@@ -10250,18 +10581,471 @@
                 <a:latin typeface="MS Gothic" panose="020B0609070205080204" pitchFamily="49" charset="-128"/>
                 <a:ea typeface="MS Gothic" panose="020B0609070205080204" pitchFamily="49" charset="-128"/>
               </a:rPr>
-              <a:t>P-1</a:t>
+              <a:t>P-3</a:t>
             </a:r>
             <a:endParaRPr lang="ko-KR" altLang="en-US" dirty="0">
               <a:latin typeface="MS Gothic" panose="020B0609070205080204" pitchFamily="49" charset="-128"/>
             </a:endParaRPr>
+          </a:p>
+        </p:txBody>
+      </p:sp>
+      <p:grpSp>
+        <p:nvGrpSpPr>
+          <p:cNvPr id="2" name="그룹 1">
+            <a:extLst>
+              <a:ext uri="{FF2B5EF4-FFF2-40B4-BE49-F238E27FC236}">
+                <a16:creationId xmlns:a16="http://schemas.microsoft.com/office/drawing/2014/main" id="{AC327F54-AFC5-B919-6CE9-7E4F5859E6BD}"/>
+              </a:ext>
+            </a:extLst>
+          </p:cNvPr>
+          <p:cNvGrpSpPr/>
+          <p:nvPr/>
+        </p:nvGrpSpPr>
+        <p:grpSpPr>
+          <a:xfrm>
+            <a:off x="7525111" y="891396"/>
+            <a:ext cx="4097546" cy="5612921"/>
+            <a:chOff x="7525111" y="891396"/>
+            <a:chExt cx="4097546" cy="5612921"/>
+          </a:xfrm>
+        </p:grpSpPr>
+        <p:sp>
+          <p:nvSpPr>
+            <p:cNvPr id="5" name="사각형: 둥근 모서리 4">
+              <a:extLst>
+                <a:ext uri="{FF2B5EF4-FFF2-40B4-BE49-F238E27FC236}">
+                  <a16:creationId xmlns:a16="http://schemas.microsoft.com/office/drawing/2014/main" id="{77B8069D-8897-38EB-760B-4E32E42AD5DC}"/>
+                </a:ext>
+              </a:extLst>
+            </p:cNvPr>
+            <p:cNvSpPr/>
+            <p:nvPr/>
+          </p:nvSpPr>
+          <p:spPr>
+            <a:xfrm>
+              <a:off x="7525111" y="891396"/>
+              <a:ext cx="4097546" cy="5612921"/>
+            </a:xfrm>
+            <a:prstGeom prst="roundRect">
+              <a:avLst/>
+            </a:prstGeom>
+            <a:solidFill>
+              <a:schemeClr val="accent5">
+                <a:lumMod val="40000"/>
+                <a:lumOff val="60000"/>
+              </a:schemeClr>
+            </a:solidFill>
+            <a:ln>
+              <a:noFill/>
+            </a:ln>
+          </p:spPr>
+          <p:style>
+            <a:lnRef idx="2">
+              <a:schemeClr val="accent1">
+                <a:shade val="15000"/>
+              </a:schemeClr>
+            </a:lnRef>
+            <a:fillRef idx="1">
+              <a:schemeClr val="accent1"/>
+            </a:fillRef>
+            <a:effectRef idx="0">
+              <a:schemeClr val="accent1"/>
+            </a:effectRef>
+            <a:fontRef idx="minor">
+              <a:schemeClr val="lt1"/>
+            </a:fontRef>
+          </p:style>
+          <p:txBody>
+            <a:bodyPr rtlCol="0" anchor="ctr"/>
+            <a:lstStyle/>
+            <a:p>
+              <a:pPr algn="ctr"/>
+              <a:endParaRPr lang="ko-KR" altLang="en-US"/>
+            </a:p>
+          </p:txBody>
+        </p:sp>
+        <p:sp>
+          <p:nvSpPr>
+            <p:cNvPr id="6" name="TextBox 5">
+              <a:extLst>
+                <a:ext uri="{FF2B5EF4-FFF2-40B4-BE49-F238E27FC236}">
+                  <a16:creationId xmlns:a16="http://schemas.microsoft.com/office/drawing/2014/main" id="{198D0A63-1B12-D975-3963-4C64224101A1}"/>
+                </a:ext>
+              </a:extLst>
+            </p:cNvPr>
+            <p:cNvSpPr txBox="1"/>
+            <p:nvPr/>
+          </p:nvSpPr>
+          <p:spPr>
+            <a:xfrm>
+              <a:off x="8791756" y="1184694"/>
+              <a:ext cx="1564256" cy="584775"/>
+            </a:xfrm>
+            <a:prstGeom prst="rect">
+              <a:avLst/>
+            </a:prstGeom>
+            <a:noFill/>
+          </p:spPr>
+          <p:txBody>
+            <a:bodyPr wrap="square" rtlCol="0">
+              <a:spAutoFit/>
+            </a:bodyPr>
+            <a:lstStyle/>
+            <a:p>
+              <a:r>
+                <a:rPr lang="ko-KR" altLang="en-US" sz="3200" b="1" dirty="0">
+                  <a:latin typeface="Cascadia Mono" panose="020B0609020000020004" pitchFamily="49" charset="0"/>
+                  <a:cs typeface="Cascadia Mono" panose="020B0609020000020004" pitchFamily="49" charset="0"/>
+                </a:rPr>
+                <a:t>결과물</a:t>
+              </a:r>
+            </a:p>
+          </p:txBody>
+        </p:sp>
+      </p:grpSp>
+      <p:grpSp>
+        <p:nvGrpSpPr>
+          <p:cNvPr id="7" name="그룹 6">
+            <a:extLst>
+              <a:ext uri="{FF2B5EF4-FFF2-40B4-BE49-F238E27FC236}">
+                <a16:creationId xmlns:a16="http://schemas.microsoft.com/office/drawing/2014/main" id="{B35B4C4E-5AE1-8177-C4A1-ADCDCC1E05B8}"/>
+              </a:ext>
+            </a:extLst>
+          </p:cNvPr>
+          <p:cNvGrpSpPr/>
+          <p:nvPr/>
+        </p:nvGrpSpPr>
+        <p:grpSpPr>
+          <a:xfrm>
+            <a:off x="705929" y="2792213"/>
+            <a:ext cx="5457645" cy="1600439"/>
+            <a:chOff x="638355" y="1184694"/>
+            <a:chExt cx="5457645" cy="1600439"/>
+          </a:xfrm>
+        </p:grpSpPr>
+        <p:sp>
+          <p:nvSpPr>
+            <p:cNvPr id="8" name="TextBox 7">
+              <a:extLst>
+                <a:ext uri="{FF2B5EF4-FFF2-40B4-BE49-F238E27FC236}">
+                  <a16:creationId xmlns:a16="http://schemas.microsoft.com/office/drawing/2014/main" id="{162A093D-A278-6F8F-4A9C-FEA4C7F252D5}"/>
+                </a:ext>
+              </a:extLst>
+            </p:cNvPr>
+            <p:cNvSpPr txBox="1"/>
+            <p:nvPr/>
+          </p:nvSpPr>
+          <p:spPr>
+            <a:xfrm>
+              <a:off x="638355" y="1184694"/>
+              <a:ext cx="1362973" cy="400110"/>
+            </a:xfrm>
+            <a:prstGeom prst="rect">
+              <a:avLst/>
+            </a:prstGeom>
+            <a:noFill/>
+          </p:spPr>
+          <p:txBody>
+            <a:bodyPr wrap="square" rtlCol="0">
+              <a:spAutoFit/>
+            </a:bodyPr>
+            <a:lstStyle/>
+            <a:p>
+              <a:r>
+                <a:rPr lang="ko-KR" altLang="en-US" sz="2000" b="1" dirty="0"/>
+                <a:t>착수 배경</a:t>
+              </a:r>
+            </a:p>
+          </p:txBody>
+        </p:sp>
+        <p:sp>
+          <p:nvSpPr>
+            <p:cNvPr id="9" name="TextBox 8">
+              <a:extLst>
+                <a:ext uri="{FF2B5EF4-FFF2-40B4-BE49-F238E27FC236}">
+                  <a16:creationId xmlns:a16="http://schemas.microsoft.com/office/drawing/2014/main" id="{0B735C41-32A6-BE8E-4FF4-7BEB6DF2D847}"/>
+                </a:ext>
+              </a:extLst>
+            </p:cNvPr>
+            <p:cNvSpPr txBox="1"/>
+            <p:nvPr/>
+          </p:nvSpPr>
+          <p:spPr>
+            <a:xfrm>
+              <a:off x="638355" y="1584804"/>
+              <a:ext cx="5457645" cy="1200329"/>
+            </a:xfrm>
+            <a:prstGeom prst="rect">
+              <a:avLst/>
+            </a:prstGeom>
+            <a:noFill/>
+          </p:spPr>
+          <p:txBody>
+            <a:bodyPr wrap="square" rtlCol="0">
+              <a:spAutoFit/>
+            </a:bodyPr>
+            <a:lstStyle/>
+            <a:p>
+              <a:r>
+                <a:rPr lang="ko-KR" altLang="en-US" dirty="0">
+                  <a:effectLst/>
+                  <a:latin typeface="Calibri Light" panose="020F0302020204030204" pitchFamily="34" charset="0"/>
+                  <a:cs typeface="Calibri Light" panose="020F0302020204030204" pitchFamily="34" charset="0"/>
+                </a:rPr>
+                <a:t>다량의 도서 정보와 고객 정보를 통합 관리함으로써 사용자들이 좀 더 효율적으로 필요한 정보를 검색하고 관리할 수 있는 웹 플랫폼을 제공하기 위함</a:t>
+              </a:r>
+              <a:r>
+                <a:rPr lang="en-US" altLang="ko-KR" dirty="0">
+                  <a:effectLst/>
+                  <a:latin typeface="Calibri Light" panose="020F0302020204030204" pitchFamily="34" charset="0"/>
+                  <a:ea typeface="Calibri Light" panose="020F0302020204030204" pitchFamily="34" charset="0"/>
+                  <a:cs typeface="Calibri Light" panose="020F0302020204030204" pitchFamily="34" charset="0"/>
+                </a:rPr>
+                <a:t>.</a:t>
+              </a:r>
+            </a:p>
+            <a:p>
+              <a:endParaRPr lang="ko-KR" altLang="en-US" dirty="0"/>
+            </a:p>
+          </p:txBody>
+        </p:sp>
+      </p:grpSp>
+      <p:grpSp>
+        <p:nvGrpSpPr>
+          <p:cNvPr id="10" name="그룹 9">
+            <a:extLst>
+              <a:ext uri="{FF2B5EF4-FFF2-40B4-BE49-F238E27FC236}">
+                <a16:creationId xmlns:a16="http://schemas.microsoft.com/office/drawing/2014/main" id="{E69B52AE-0A14-BDE0-610C-87CD56F7C9C9}"/>
+              </a:ext>
+            </a:extLst>
+          </p:cNvPr>
+          <p:cNvGrpSpPr/>
+          <p:nvPr/>
+        </p:nvGrpSpPr>
+        <p:grpSpPr>
+          <a:xfrm>
+            <a:off x="638353" y="4539958"/>
+            <a:ext cx="5894717" cy="1938993"/>
+            <a:chOff x="638355" y="2763328"/>
+            <a:chExt cx="5894717" cy="1938993"/>
+          </a:xfrm>
+        </p:grpSpPr>
+        <p:sp>
+          <p:nvSpPr>
+            <p:cNvPr id="11" name="TextBox 10">
+              <a:extLst>
+                <a:ext uri="{FF2B5EF4-FFF2-40B4-BE49-F238E27FC236}">
+                  <a16:creationId xmlns:a16="http://schemas.microsoft.com/office/drawing/2014/main" id="{2AEEE21F-9155-B642-51D4-6DFBCEC74806}"/>
+                </a:ext>
+              </a:extLst>
+            </p:cNvPr>
+            <p:cNvSpPr txBox="1"/>
+            <p:nvPr/>
+          </p:nvSpPr>
+          <p:spPr>
+            <a:xfrm>
+              <a:off x="638355" y="2763328"/>
+              <a:ext cx="1731034" cy="400110"/>
+            </a:xfrm>
+            <a:prstGeom prst="rect">
+              <a:avLst/>
+            </a:prstGeom>
+            <a:noFill/>
+          </p:spPr>
+          <p:txBody>
+            <a:bodyPr wrap="square" rtlCol="0">
+              <a:spAutoFit/>
+            </a:bodyPr>
+            <a:lstStyle/>
+            <a:p>
+              <a:r>
+                <a:rPr lang="ko-KR" altLang="en-US" sz="2000" b="1" dirty="0"/>
+                <a:t>시스템 개발</a:t>
+              </a:r>
+            </a:p>
+          </p:txBody>
+        </p:sp>
+        <p:sp>
+          <p:nvSpPr>
+            <p:cNvPr id="12" name="TextBox 11">
+              <a:extLst>
+                <a:ext uri="{FF2B5EF4-FFF2-40B4-BE49-F238E27FC236}">
+                  <a16:creationId xmlns:a16="http://schemas.microsoft.com/office/drawing/2014/main" id="{35E1977F-85C5-D304-167E-8DBDE16987AE}"/>
+                </a:ext>
+              </a:extLst>
+            </p:cNvPr>
+            <p:cNvSpPr txBox="1"/>
+            <p:nvPr/>
+          </p:nvSpPr>
+          <p:spPr>
+            <a:xfrm>
+              <a:off x="638355" y="3224993"/>
+              <a:ext cx="5894717" cy="1477328"/>
+            </a:xfrm>
+            <a:prstGeom prst="rect">
+              <a:avLst/>
+            </a:prstGeom>
+            <a:noFill/>
+          </p:spPr>
+          <p:txBody>
+            <a:bodyPr wrap="square" rtlCol="0">
+              <a:spAutoFit/>
+            </a:bodyPr>
+            <a:lstStyle/>
+            <a:p>
+              <a:r>
+                <a:rPr lang="ko-KR" altLang="en-US" b="0" dirty="0">
+                  <a:effectLst/>
+                  <a:latin typeface="Consolas" panose="020B0609020204030204" pitchFamily="49" charset="0"/>
+                </a:rPr>
+                <a:t>도서관 정보 관리를 위한 통합 플랫폼으로</a:t>
+              </a:r>
+              <a:r>
+                <a:rPr lang="en-US" altLang="ko-KR" b="0" dirty="0">
+                  <a:effectLst/>
+                  <a:latin typeface="Consolas" panose="020B0609020204030204" pitchFamily="49" charset="0"/>
+                </a:rPr>
+                <a:t>, SQL </a:t>
+              </a:r>
+              <a:r>
+                <a:rPr lang="ko-KR" altLang="en-US" b="0" dirty="0">
+                  <a:effectLst/>
+                  <a:latin typeface="Consolas" panose="020B0609020204030204" pitchFamily="49" charset="0"/>
+                </a:rPr>
+                <a:t>데이터베이스에 저장된 도서 정보와 고객 정보를 </a:t>
+              </a:r>
+              <a:r>
+                <a:rPr lang="en-US" altLang="ko-KR" b="0" dirty="0">
+                  <a:effectLst/>
+                  <a:latin typeface="Consolas" panose="020B0609020204030204" pitchFamily="49" charset="0"/>
+                </a:rPr>
+                <a:t>Eclipse </a:t>
+              </a:r>
+              <a:r>
+                <a:rPr lang="ko-KR" altLang="en-US" b="0" dirty="0">
+                  <a:effectLst/>
+                  <a:latin typeface="Consolas" panose="020B0609020204030204" pitchFamily="49" charset="0"/>
+                </a:rPr>
+                <a:t>개발 환경에서 연동하여 관리 용이</a:t>
+              </a:r>
+              <a:r>
+                <a:rPr lang="en-US" altLang="ko-KR" b="0" dirty="0">
+                  <a:effectLst/>
+                  <a:latin typeface="Consolas" panose="020B0609020204030204" pitchFamily="49" charset="0"/>
+                </a:rPr>
+                <a:t>.</a:t>
+              </a:r>
+            </a:p>
+            <a:p>
+              <a:r>
+                <a:rPr lang="ko-KR" altLang="en-US" b="0" dirty="0">
+                  <a:effectLst/>
+                  <a:latin typeface="Consolas" panose="020B0609020204030204" pitchFamily="49" charset="0"/>
+                </a:rPr>
+                <a:t>사용자는 웹 브라우저를 통해 다양한 작업 수행 가능</a:t>
+              </a:r>
+              <a:r>
+                <a:rPr lang="en-US" altLang="ko-KR" b="0" dirty="0">
+                  <a:effectLst/>
+                  <a:latin typeface="Consolas" panose="020B0609020204030204" pitchFamily="49" charset="0"/>
+                </a:rPr>
+                <a:t>.</a:t>
+              </a:r>
+            </a:p>
+            <a:p>
+              <a:endParaRPr lang="ko-KR" altLang="en-US" dirty="0"/>
+            </a:p>
+          </p:txBody>
+        </p:sp>
+      </p:grpSp>
+      <p:sp>
+        <p:nvSpPr>
+          <p:cNvPr id="13" name="TextBox 12">
+            <a:extLst>
+              <a:ext uri="{FF2B5EF4-FFF2-40B4-BE49-F238E27FC236}">
+                <a16:creationId xmlns:a16="http://schemas.microsoft.com/office/drawing/2014/main" id="{BA567F9E-9C23-6153-3BA6-57F9EBB2F017}"/>
+              </a:ext>
+            </a:extLst>
+          </p:cNvPr>
+          <p:cNvSpPr txBox="1"/>
+          <p:nvPr/>
+        </p:nvSpPr>
+        <p:spPr>
+          <a:xfrm>
+            <a:off x="616686" y="1169304"/>
+            <a:ext cx="5835872" cy="1261884"/>
+          </a:xfrm>
+          <a:prstGeom prst="rect">
+            <a:avLst/>
+          </a:prstGeom>
+          <a:noFill/>
+        </p:spPr>
+        <p:txBody>
+          <a:bodyPr wrap="square" rtlCol="0">
+            <a:spAutoFit/>
+          </a:bodyPr>
+          <a:lstStyle/>
+          <a:p>
+            <a:r>
+              <a:rPr lang="ko-KR" altLang="en-US" sz="2000" b="1" dirty="0"/>
+              <a:t>사용 스킬</a:t>
+            </a:r>
+            <a:endParaRPr lang="en-US" altLang="ko-KR" sz="2000" b="1" dirty="0"/>
+          </a:p>
+          <a:p>
+            <a:r>
+              <a:rPr lang="en-US" altLang="ko-KR" sz="2000" b="1" dirty="0"/>
+              <a:t>- </a:t>
+            </a:r>
+            <a:r>
+              <a:rPr lang="en-US" altLang="ko-KR" dirty="0"/>
+              <a:t>MySQL, JavaScript, </a:t>
+            </a:r>
+            <a:r>
+              <a:rPr lang="en-US" altLang="ko-KR" dirty="0" err="1"/>
+              <a:t>SpringBoot</a:t>
+            </a:r>
+            <a:r>
+              <a:rPr lang="en-US" altLang="ko-KR" dirty="0"/>
+              <a:t>, HTML/CSS, Python</a:t>
+            </a:r>
+          </a:p>
+          <a:p>
+            <a:r>
+              <a:rPr lang="en-US" altLang="ko-KR" dirty="0"/>
+              <a:t>- </a:t>
+            </a:r>
+            <a:r>
+              <a:rPr lang="ko-KR" altLang="en-US" dirty="0"/>
+              <a:t>데이터베이스와 서버 연동</a:t>
+            </a:r>
+            <a:r>
+              <a:rPr lang="en-US" altLang="ko-KR" dirty="0"/>
+              <a:t>, </a:t>
+            </a:r>
+            <a:r>
+              <a:rPr lang="ko-KR" altLang="en-US" dirty="0" err="1"/>
+              <a:t>풀스택</a:t>
+            </a:r>
+            <a:r>
+              <a:rPr lang="ko-KR" altLang="en-US" dirty="0"/>
+              <a:t> 제작</a:t>
+            </a:r>
+            <a:endParaRPr lang="en-US" altLang="ko-KR" dirty="0"/>
+          </a:p>
+          <a:p>
+            <a:r>
+              <a:rPr lang="en-US" altLang="ko-KR" dirty="0"/>
+              <a:t>- https://github.com/germ47/bookcustomer.git</a:t>
+            </a:r>
+            <a:endParaRPr lang="ko-KR" altLang="en-US" dirty="0"/>
           </a:p>
         </p:txBody>
       </p:sp>
     </p:spTree>
     <p:extLst>
       <p:ext uri="{BB962C8B-B14F-4D97-AF65-F5344CB8AC3E}">
-        <p14:creationId xmlns:p14="http://schemas.microsoft.com/office/powerpoint/2010/main" val="428969090"/>
+        <p14:creationId xmlns:p14="http://schemas.microsoft.com/office/powerpoint/2010/main" val="3102132858"/>
       </p:ext>
     </p:extLst>
   </p:cSld>
@@ -10293,7 +11077,7 @@
           <p:cNvPr id="3" name="제목 1">
             <a:extLst>
               <a:ext uri="{FF2B5EF4-FFF2-40B4-BE49-F238E27FC236}">
-                <a16:creationId xmlns:a16="http://schemas.microsoft.com/office/drawing/2014/main" id="{73F2DBC5-80E1-8EEF-4509-221172655F0C}"/>
+                <a16:creationId xmlns:a16="http://schemas.microsoft.com/office/drawing/2014/main" id="{5CEB792B-7EB8-A4B1-A87C-0A5B602BDEDB}"/>
               </a:ext>
             </a:extLst>
           </p:cNvPr>
@@ -10306,19 +11090,20 @@
         </p:nvSpPr>
         <p:spPr>
           <a:xfrm>
-            <a:off x="688677" y="327997"/>
-            <a:ext cx="2261558" cy="695671"/>
+            <a:off x="705929" y="293493"/>
+            <a:ext cx="5010509" cy="643912"/>
           </a:xfrm>
         </p:spPr>
         <p:txBody>
-          <a:bodyPr/>
+          <a:bodyPr>
+            <a:normAutofit fontScale="90000"/>
+          </a:bodyPr>
           <a:lstStyle/>
           <a:p>
             <a:r>
-              <a:rPr lang="en-US" altLang="ko-KR" dirty="0"/>
-              <a:t>Project2</a:t>
-            </a:r>
-            <a:endParaRPr lang="ko-KR" altLang="en-US" dirty="0"/>
+              <a:rPr lang="ko-KR" altLang="en-US" dirty="0"/>
+              <a:t>원하는 기업 찾기 웹</a:t>
+            </a:r>
           </a:p>
         </p:txBody>
       </p:sp>
@@ -10327,7 +11112,7 @@
           <p:cNvPr id="4" name="TextBox 3">
             <a:extLst>
               <a:ext uri="{FF2B5EF4-FFF2-40B4-BE49-F238E27FC236}">
-                <a16:creationId xmlns:a16="http://schemas.microsoft.com/office/drawing/2014/main" id="{464F1D2F-B467-1C72-DF61-F9B593AA306F}"/>
+                <a16:creationId xmlns:a16="http://schemas.microsoft.com/office/drawing/2014/main" id="{29677889-D7FC-EF00-CC0E-AB20AA2645D9}"/>
               </a:ext>
             </a:extLst>
           </p:cNvPr>
@@ -10336,8 +11121,8 @@
         </p:nvSpPr>
         <p:spPr>
           <a:xfrm>
-            <a:off x="11179835" y="327997"/>
-            <a:ext cx="557841" cy="369332"/>
+            <a:off x="10719758" y="293493"/>
+            <a:ext cx="902899" cy="369332"/>
           </a:xfrm>
           <a:prstGeom prst="rect">
             <a:avLst/>
@@ -10355,7 +11140,7 @@
                 <a:latin typeface="MS Gothic" panose="020B0609070205080204" pitchFamily="49" charset="-128"/>
                 <a:ea typeface="MS Gothic" panose="020B0609070205080204" pitchFamily="49" charset="-128"/>
               </a:rPr>
-              <a:t>P-2</a:t>
+              <a:t>OTHERS</a:t>
             </a:r>
             <a:endParaRPr lang="ko-KR" altLang="en-US" dirty="0">
               <a:latin typeface="MS Gothic" panose="020B0609070205080204" pitchFamily="49" charset="-128"/>
@@ -10363,78 +11148,404 @@
           </a:p>
         </p:txBody>
       </p:sp>
-    </p:spTree>
-    <p:extLst>
-      <p:ext uri="{BB962C8B-B14F-4D97-AF65-F5344CB8AC3E}">
-        <p14:creationId xmlns:p14="http://schemas.microsoft.com/office/powerpoint/2010/main" val="3102132858"/>
-      </p:ext>
-    </p:extLst>
-  </p:cSld>
-  <p:clrMapOvr>
-    <a:masterClrMapping/>
-  </p:clrMapOvr>
-</p:sld>
-</file>
-
-<file path=ppt/slides/slide7.xml><?xml version="1.0" encoding="utf-8"?>
-<p:sld xmlns:a="http://schemas.openxmlformats.org/drawingml/2006/main" xmlns:r="http://schemas.openxmlformats.org/officeDocument/2006/relationships" xmlns:p="http://schemas.openxmlformats.org/presentationml/2006/main">
-  <p:cSld>
-    <p:spTree>
-      <p:nvGrpSpPr>
-        <p:cNvPr id="1" name=""/>
-        <p:cNvGrpSpPr/>
-        <p:nvPr/>
-      </p:nvGrpSpPr>
-      <p:grpSpPr>
-        <a:xfrm>
-          <a:off x="0" y="0"/>
-          <a:ext cx="0" cy="0"/>
-          <a:chOff x="0" y="0"/>
-          <a:chExt cx="0" cy="0"/>
-        </a:xfrm>
-      </p:grpSpPr>
+      <p:grpSp>
+        <p:nvGrpSpPr>
+          <p:cNvPr id="7" name="그룹 6">
+            <a:extLst>
+              <a:ext uri="{FF2B5EF4-FFF2-40B4-BE49-F238E27FC236}">
+                <a16:creationId xmlns:a16="http://schemas.microsoft.com/office/drawing/2014/main" id="{1FFC0A35-90EE-5A9F-F3B2-2DF1D371B3BC}"/>
+              </a:ext>
+            </a:extLst>
+          </p:cNvPr>
+          <p:cNvGrpSpPr/>
+          <p:nvPr/>
+        </p:nvGrpSpPr>
+        <p:grpSpPr>
+          <a:xfrm>
+            <a:off x="7525111" y="891396"/>
+            <a:ext cx="4097546" cy="5612921"/>
+            <a:chOff x="7525111" y="891396"/>
+            <a:chExt cx="4097546" cy="5612921"/>
+          </a:xfrm>
+        </p:grpSpPr>
+        <p:sp>
+          <p:nvSpPr>
+            <p:cNvPr id="5" name="사각형: 둥근 모서리 4">
+              <a:extLst>
+                <a:ext uri="{FF2B5EF4-FFF2-40B4-BE49-F238E27FC236}">
+                  <a16:creationId xmlns:a16="http://schemas.microsoft.com/office/drawing/2014/main" id="{82F06725-703B-A3ED-9BAB-846A402E761F}"/>
+                </a:ext>
+              </a:extLst>
+            </p:cNvPr>
+            <p:cNvSpPr/>
+            <p:nvPr/>
+          </p:nvSpPr>
+          <p:spPr>
+            <a:xfrm>
+              <a:off x="7525111" y="891396"/>
+              <a:ext cx="4097546" cy="5612921"/>
+            </a:xfrm>
+            <a:prstGeom prst="roundRect">
+              <a:avLst/>
+            </a:prstGeom>
+            <a:solidFill>
+              <a:schemeClr val="accent5">
+                <a:lumMod val="40000"/>
+                <a:lumOff val="60000"/>
+              </a:schemeClr>
+            </a:solidFill>
+            <a:ln>
+              <a:noFill/>
+            </a:ln>
+          </p:spPr>
+          <p:style>
+            <a:lnRef idx="2">
+              <a:schemeClr val="accent1">
+                <a:shade val="15000"/>
+              </a:schemeClr>
+            </a:lnRef>
+            <a:fillRef idx="1">
+              <a:schemeClr val="accent1"/>
+            </a:fillRef>
+            <a:effectRef idx="0">
+              <a:schemeClr val="accent1"/>
+            </a:effectRef>
+            <a:fontRef idx="minor">
+              <a:schemeClr val="lt1"/>
+            </a:fontRef>
+          </p:style>
+          <p:txBody>
+            <a:bodyPr rtlCol="0" anchor="ctr"/>
+            <a:lstStyle/>
+            <a:p>
+              <a:pPr algn="ctr"/>
+              <a:endParaRPr lang="ko-KR" altLang="en-US"/>
+            </a:p>
+          </p:txBody>
+        </p:sp>
+        <p:sp>
+          <p:nvSpPr>
+            <p:cNvPr id="6" name="TextBox 5">
+              <a:extLst>
+                <a:ext uri="{FF2B5EF4-FFF2-40B4-BE49-F238E27FC236}">
+                  <a16:creationId xmlns:a16="http://schemas.microsoft.com/office/drawing/2014/main" id="{F47E0645-DF75-326D-742B-5EB417708E38}"/>
+                </a:ext>
+              </a:extLst>
+            </p:cNvPr>
+            <p:cNvSpPr txBox="1"/>
+            <p:nvPr/>
+          </p:nvSpPr>
+          <p:spPr>
+            <a:xfrm>
+              <a:off x="8791756" y="1184694"/>
+              <a:ext cx="1564256" cy="584775"/>
+            </a:xfrm>
+            <a:prstGeom prst="rect">
+              <a:avLst/>
+            </a:prstGeom>
+            <a:noFill/>
+          </p:spPr>
+          <p:txBody>
+            <a:bodyPr wrap="square" rtlCol="0">
+              <a:spAutoFit/>
+            </a:bodyPr>
+            <a:lstStyle/>
+            <a:p>
+              <a:r>
+                <a:rPr lang="ko-KR" altLang="en-US" sz="3200" b="1" dirty="0">
+                  <a:latin typeface="Cascadia Mono" panose="020B0609020000020004" pitchFamily="49" charset="0"/>
+                  <a:cs typeface="Cascadia Mono" panose="020B0609020000020004" pitchFamily="49" charset="0"/>
+                </a:rPr>
+                <a:t>결과물</a:t>
+              </a:r>
+            </a:p>
+          </p:txBody>
+        </p:sp>
+      </p:grpSp>
+      <p:grpSp>
+        <p:nvGrpSpPr>
+          <p:cNvPr id="12" name="그룹 11">
+            <a:extLst>
+              <a:ext uri="{FF2B5EF4-FFF2-40B4-BE49-F238E27FC236}">
+                <a16:creationId xmlns:a16="http://schemas.microsoft.com/office/drawing/2014/main" id="{9AA54D3F-33CA-737C-D687-6A0870751BFF}"/>
+              </a:ext>
+            </a:extLst>
+          </p:cNvPr>
+          <p:cNvGrpSpPr/>
+          <p:nvPr/>
+        </p:nvGrpSpPr>
+        <p:grpSpPr>
+          <a:xfrm>
+            <a:off x="705929" y="2739466"/>
+            <a:ext cx="5457645" cy="1600439"/>
+            <a:chOff x="638355" y="1184694"/>
+            <a:chExt cx="5457645" cy="1600439"/>
+          </a:xfrm>
+        </p:grpSpPr>
+        <p:sp>
+          <p:nvSpPr>
+            <p:cNvPr id="8" name="TextBox 7">
+              <a:extLst>
+                <a:ext uri="{FF2B5EF4-FFF2-40B4-BE49-F238E27FC236}">
+                  <a16:creationId xmlns:a16="http://schemas.microsoft.com/office/drawing/2014/main" id="{5767054C-C4E2-9CA9-889D-26077C604318}"/>
+                </a:ext>
+              </a:extLst>
+            </p:cNvPr>
+            <p:cNvSpPr txBox="1"/>
+            <p:nvPr/>
+          </p:nvSpPr>
+          <p:spPr>
+            <a:xfrm>
+              <a:off x="638355" y="1184694"/>
+              <a:ext cx="1362973" cy="400110"/>
+            </a:xfrm>
+            <a:prstGeom prst="rect">
+              <a:avLst/>
+            </a:prstGeom>
+            <a:noFill/>
+          </p:spPr>
+          <p:txBody>
+            <a:bodyPr wrap="square" rtlCol="0">
+              <a:spAutoFit/>
+            </a:bodyPr>
+            <a:lstStyle/>
+            <a:p>
+              <a:r>
+                <a:rPr lang="ko-KR" altLang="en-US" sz="2000" b="1" dirty="0"/>
+                <a:t>착수 배경</a:t>
+              </a:r>
+            </a:p>
+          </p:txBody>
+        </p:sp>
+        <p:sp>
+          <p:nvSpPr>
+            <p:cNvPr id="11" name="TextBox 10">
+              <a:extLst>
+                <a:ext uri="{FF2B5EF4-FFF2-40B4-BE49-F238E27FC236}">
+                  <a16:creationId xmlns:a16="http://schemas.microsoft.com/office/drawing/2014/main" id="{976651AA-BFB4-41A6-DCE5-40374F63617D}"/>
+                </a:ext>
+              </a:extLst>
+            </p:cNvPr>
+            <p:cNvSpPr txBox="1"/>
+            <p:nvPr/>
+          </p:nvSpPr>
+          <p:spPr>
+            <a:xfrm>
+              <a:off x="638355" y="1584804"/>
+              <a:ext cx="5457645" cy="1200329"/>
+            </a:xfrm>
+            <a:prstGeom prst="rect">
+              <a:avLst/>
+            </a:prstGeom>
+            <a:noFill/>
+          </p:spPr>
+          <p:txBody>
+            <a:bodyPr wrap="square" rtlCol="0">
+              <a:spAutoFit/>
+            </a:bodyPr>
+            <a:lstStyle/>
+            <a:p>
+              <a:r>
+                <a:rPr lang="ko-KR" altLang="en-US" dirty="0">
+                  <a:effectLst/>
+                  <a:latin typeface="Calibri Light" panose="020F0302020204030204" pitchFamily="34" charset="0"/>
+                  <a:ea typeface="Calibri Light" panose="020F0302020204030204" pitchFamily="34" charset="0"/>
+                  <a:cs typeface="Calibri Light" panose="020F0302020204030204" pitchFamily="34" charset="0"/>
+                </a:rPr>
+                <a:t>기업의 정보를 중요 간략화 및 정리함으로써</a:t>
+              </a:r>
+              <a:endParaRPr lang="en-US" altLang="ko-KR" dirty="0">
+                <a:effectLst/>
+                <a:latin typeface="Calibri Light" panose="020F0302020204030204" pitchFamily="34" charset="0"/>
+                <a:ea typeface="Calibri Light" panose="020F0302020204030204" pitchFamily="34" charset="0"/>
+                <a:cs typeface="Calibri Light" panose="020F0302020204030204" pitchFamily="34" charset="0"/>
+              </a:endParaRPr>
+            </a:p>
+            <a:p>
+              <a:r>
+                <a:rPr lang="ko-KR" altLang="en-US" dirty="0">
+                  <a:effectLst/>
+                  <a:latin typeface="Calibri Light" panose="020F0302020204030204" pitchFamily="34" charset="0"/>
+                  <a:ea typeface="Calibri Light" panose="020F0302020204030204" pitchFamily="34" charset="0"/>
+                  <a:cs typeface="Calibri Light" panose="020F0302020204030204" pitchFamily="34" charset="0"/>
+                </a:rPr>
+                <a:t>사용자가 원하는 기업의 정보를 파악하기 쉽고 찾기 용이한 웹 플랫폼 제공하기 위함</a:t>
+              </a:r>
+              <a:r>
+                <a:rPr lang="en-US" altLang="ko-KR" dirty="0">
+                  <a:effectLst/>
+                  <a:latin typeface="Calibri Light" panose="020F0302020204030204" pitchFamily="34" charset="0"/>
+                  <a:ea typeface="Calibri Light" panose="020F0302020204030204" pitchFamily="34" charset="0"/>
+                  <a:cs typeface="Calibri Light" panose="020F0302020204030204" pitchFamily="34" charset="0"/>
+                </a:rPr>
+                <a:t>.</a:t>
+              </a:r>
+            </a:p>
+            <a:p>
+              <a:endParaRPr lang="ko-KR" altLang="en-US" dirty="0"/>
+            </a:p>
+          </p:txBody>
+        </p:sp>
+      </p:grpSp>
+      <p:grpSp>
+        <p:nvGrpSpPr>
+          <p:cNvPr id="16" name="그룹 15">
+            <a:extLst>
+              <a:ext uri="{FF2B5EF4-FFF2-40B4-BE49-F238E27FC236}">
+                <a16:creationId xmlns:a16="http://schemas.microsoft.com/office/drawing/2014/main" id="{FCD658D5-C0FA-8F35-C002-1B52FDE5C3B6}"/>
+              </a:ext>
+            </a:extLst>
+          </p:cNvPr>
+          <p:cNvGrpSpPr/>
+          <p:nvPr/>
+        </p:nvGrpSpPr>
+        <p:grpSpPr>
+          <a:xfrm>
+            <a:off x="705929" y="4250295"/>
+            <a:ext cx="5894717" cy="2215991"/>
+            <a:chOff x="638355" y="2763328"/>
+            <a:chExt cx="5894717" cy="2215991"/>
+          </a:xfrm>
+        </p:grpSpPr>
+        <p:sp>
+          <p:nvSpPr>
+            <p:cNvPr id="9" name="TextBox 8">
+              <a:extLst>
+                <a:ext uri="{FF2B5EF4-FFF2-40B4-BE49-F238E27FC236}">
+                  <a16:creationId xmlns:a16="http://schemas.microsoft.com/office/drawing/2014/main" id="{626BE488-6C10-1BB4-F47E-2F8176C8C30C}"/>
+                </a:ext>
+              </a:extLst>
+            </p:cNvPr>
+            <p:cNvSpPr txBox="1"/>
+            <p:nvPr/>
+          </p:nvSpPr>
+          <p:spPr>
+            <a:xfrm>
+              <a:off x="638355" y="2763328"/>
+              <a:ext cx="1731034" cy="400110"/>
+            </a:xfrm>
+            <a:prstGeom prst="rect">
+              <a:avLst/>
+            </a:prstGeom>
+            <a:noFill/>
+          </p:spPr>
+          <p:txBody>
+            <a:bodyPr wrap="square" rtlCol="0">
+              <a:spAutoFit/>
+            </a:bodyPr>
+            <a:lstStyle/>
+            <a:p>
+              <a:r>
+                <a:rPr lang="ko-KR" altLang="en-US" sz="2000" b="1" dirty="0"/>
+                <a:t>시스템 개발</a:t>
+              </a:r>
+            </a:p>
+          </p:txBody>
+        </p:sp>
+        <p:sp>
+          <p:nvSpPr>
+            <p:cNvPr id="15" name="TextBox 14">
+              <a:extLst>
+                <a:ext uri="{FF2B5EF4-FFF2-40B4-BE49-F238E27FC236}">
+                  <a16:creationId xmlns:a16="http://schemas.microsoft.com/office/drawing/2014/main" id="{2177ADA1-D5C4-BA06-5267-014528FBFDF9}"/>
+                </a:ext>
+              </a:extLst>
+            </p:cNvPr>
+            <p:cNvSpPr txBox="1"/>
+            <p:nvPr/>
+          </p:nvSpPr>
+          <p:spPr>
+            <a:xfrm>
+              <a:off x="638355" y="3224993"/>
+              <a:ext cx="5894717" cy="1754326"/>
+            </a:xfrm>
+            <a:prstGeom prst="rect">
+              <a:avLst/>
+            </a:prstGeom>
+            <a:noFill/>
+          </p:spPr>
+          <p:txBody>
+            <a:bodyPr wrap="square" rtlCol="0">
+              <a:spAutoFit/>
+            </a:bodyPr>
+            <a:lstStyle/>
+            <a:p>
+              <a:r>
+                <a:rPr lang="ko-KR" altLang="en-US" b="0" i="0" dirty="0">
+                  <a:effectLst/>
+                  <a:latin typeface="-apple-system"/>
+                </a:rPr>
+                <a:t>사용자가 원하는 기업 정보를 쉽게 파악하고 찾을 수 있도록 간결하고 직관적인 웹 플랫폼으로</a:t>
+              </a:r>
+              <a:r>
+                <a:rPr lang="en-US" altLang="ko-KR" b="0" i="0" dirty="0">
+                  <a:effectLst/>
+                  <a:latin typeface="-apple-system"/>
+                </a:rPr>
+                <a:t>,  HTML</a:t>
+              </a:r>
+              <a:r>
+                <a:rPr lang="ko-KR" altLang="en-US" b="0" i="0" dirty="0">
+                  <a:effectLst/>
+                  <a:latin typeface="-apple-system"/>
+                </a:rPr>
+                <a:t>로 구성된 이 플랫폼은 기업의 기본 정보</a:t>
+              </a:r>
+              <a:r>
+                <a:rPr lang="en-US" altLang="ko-KR" b="0" i="0" dirty="0">
+                  <a:effectLst/>
+                  <a:latin typeface="-apple-system"/>
+                </a:rPr>
+                <a:t>, </a:t>
+              </a:r>
+              <a:r>
+                <a:rPr lang="ko-KR" altLang="en-US" b="0" i="0" dirty="0">
+                  <a:effectLst/>
+                  <a:latin typeface="-apple-system"/>
+                </a:rPr>
+                <a:t>운영 개요 등의 핵심 데이터를 효율적으로 요약하여 표시</a:t>
+              </a:r>
+              <a:r>
+                <a:rPr lang="en-US" altLang="ko-KR" b="0" i="0" dirty="0">
+                  <a:effectLst/>
+                  <a:latin typeface="-apple-system"/>
+                </a:rPr>
+                <a:t>.</a:t>
+              </a:r>
+            </a:p>
+            <a:p>
+              <a:r>
+                <a:rPr lang="en-US" altLang="ko-KR" b="0" i="0" dirty="0">
+                  <a:effectLst/>
+                  <a:latin typeface="-apple-system"/>
+                </a:rPr>
+                <a:t> </a:t>
+              </a:r>
+              <a:r>
+                <a:rPr lang="ko-KR" altLang="en-US" b="0" i="0" dirty="0">
+                  <a:effectLst/>
+                  <a:latin typeface="-apple-system"/>
+                </a:rPr>
+                <a:t>사용자는 웹 브라우저를 통해 간편하게 접근하고 필요한 정보를 신속하게 확인 가능</a:t>
+              </a:r>
+              <a:r>
+                <a:rPr lang="en-US" altLang="ko-KR" b="0" i="0" dirty="0">
+                  <a:effectLst/>
+                  <a:latin typeface="-apple-system"/>
+                </a:rPr>
+                <a:t>.</a:t>
+              </a:r>
+              <a:endParaRPr lang="ko-KR" altLang="en-US" dirty="0"/>
+            </a:p>
+          </p:txBody>
+        </p:sp>
+      </p:grpSp>
       <p:sp>
         <p:nvSpPr>
-          <p:cNvPr id="3" name="제목 1">
-            <a:extLst>
-              <a:ext uri="{FF2B5EF4-FFF2-40B4-BE49-F238E27FC236}">
-                <a16:creationId xmlns:a16="http://schemas.microsoft.com/office/drawing/2014/main" id="{5CEB792B-7EB8-A4B1-A87C-0A5B602BDEDB}"/>
-              </a:ext>
-            </a:extLst>
-          </p:cNvPr>
-          <p:cNvSpPr>
-            <a:spLocks noGrp="1"/>
-          </p:cNvSpPr>
-          <p:nvPr>
-            <p:ph type="title"/>
-          </p:nvPr>
-        </p:nvSpPr>
-        <p:spPr>
-          <a:xfrm>
-            <a:off x="705929" y="293493"/>
-            <a:ext cx="2192547" cy="643912"/>
-          </a:xfrm>
-        </p:spPr>
-        <p:txBody>
-          <a:bodyPr>
-            <a:normAutofit fontScale="90000"/>
-          </a:bodyPr>
-          <a:lstStyle/>
-          <a:p>
-            <a:r>
-              <a:rPr lang="en-US" altLang="ko-KR" dirty="0"/>
-              <a:t>Project3</a:t>
-            </a:r>
-            <a:endParaRPr lang="ko-KR" altLang="en-US" dirty="0"/>
-          </a:p>
-        </p:txBody>
-      </p:sp>
-      <p:sp>
-        <p:nvSpPr>
-          <p:cNvPr id="4" name="TextBox 3">
-            <a:extLst>
-              <a:ext uri="{FF2B5EF4-FFF2-40B4-BE49-F238E27FC236}">
-                <a16:creationId xmlns:a16="http://schemas.microsoft.com/office/drawing/2014/main" id="{29677889-D7FC-EF00-CC0E-AB20AA2645D9}"/>
+          <p:cNvPr id="19" name="TextBox 18">
+            <a:extLst>
+              <a:ext uri="{FF2B5EF4-FFF2-40B4-BE49-F238E27FC236}">
+                <a16:creationId xmlns:a16="http://schemas.microsoft.com/office/drawing/2014/main" id="{3A745639-5010-1649-1B2A-8912E0FAA4EE}"/>
               </a:ext>
             </a:extLst>
           </p:cNvPr>
@@ -10443,8 +11554,8 @@
         </p:nvSpPr>
         <p:spPr>
           <a:xfrm>
-            <a:off x="11064816" y="293493"/>
-            <a:ext cx="557841" cy="369332"/>
+            <a:off x="705929" y="1256212"/>
+            <a:ext cx="4444044" cy="1261884"/>
           </a:xfrm>
           <a:prstGeom prst="rect">
             <a:avLst/>
@@ -10458,15 +11569,54 @@
           <a:lstStyle/>
           <a:p>
             <a:r>
-              <a:rPr lang="en-US" altLang="ko-KR" dirty="0">
-                <a:latin typeface="MS Gothic" panose="020B0609070205080204" pitchFamily="49" charset="-128"/>
-                <a:ea typeface="MS Gothic" panose="020B0609070205080204" pitchFamily="49" charset="-128"/>
-              </a:rPr>
-              <a:t>P-3</a:t>
-            </a:r>
-            <a:endParaRPr lang="ko-KR" altLang="en-US" dirty="0">
-              <a:latin typeface="MS Gothic" panose="020B0609070205080204" pitchFamily="49" charset="-128"/>
-            </a:endParaRPr>
+              <a:rPr lang="ko-KR" altLang="en-US" sz="2000" b="1" dirty="0"/>
+              <a:t>사용 스킬</a:t>
+            </a:r>
+            <a:endParaRPr lang="en-US" altLang="ko-KR" sz="2000" b="1" dirty="0"/>
+          </a:p>
+          <a:p>
+            <a:r>
+              <a:rPr lang="en-US" altLang="ko-KR" sz="2000" b="1" dirty="0"/>
+              <a:t>- </a:t>
+            </a:r>
+            <a:r>
+              <a:rPr lang="en-US" altLang="ko-KR" dirty="0"/>
+              <a:t>HTML/CSS, JavaScript, Python</a:t>
+            </a:r>
+          </a:p>
+          <a:p>
+            <a:r>
+              <a:rPr lang="en-US" altLang="ko-KR" dirty="0"/>
+              <a:t>- </a:t>
+            </a:r>
+            <a:r>
+              <a:rPr lang="ko-KR" altLang="en-US" dirty="0"/>
+              <a:t>기업 정보 요약 및 정리</a:t>
+            </a:r>
+            <a:r>
+              <a:rPr lang="en-US" altLang="ko-KR" dirty="0"/>
+              <a:t>,</a:t>
+            </a:r>
+            <a:r>
+              <a:rPr lang="ko-KR" altLang="en-US" dirty="0"/>
+              <a:t> </a:t>
+            </a:r>
+            <a:r>
+              <a:rPr lang="ko-KR" altLang="en-US" dirty="0" err="1"/>
+              <a:t>풀스택</a:t>
+            </a:r>
+            <a:r>
+              <a:rPr lang="ko-KR" altLang="en-US" dirty="0"/>
+              <a:t> 제작</a:t>
+            </a:r>
+            <a:endParaRPr lang="en-US" altLang="ko-KR" dirty="0"/>
+          </a:p>
+          <a:p>
+            <a:r>
+              <a:rPr lang="en-US" altLang="ko-KR" dirty="0"/>
+              <a:t>- https://github.com/germ47/joyple.git</a:t>
+            </a:r>
+            <a:endParaRPr lang="ko-KR" altLang="en-US" dirty="0"/>
           </a:p>
         </p:txBody>
       </p:sp>
@@ -10483,7 +11633,7 @@
 </p:sld>
 </file>
 
-<file path=ppt/slides/slide8.xml><?xml version="1.0" encoding="utf-8"?>
+<file path=ppt/slides/slide7.xml><?xml version="1.0" encoding="utf-8"?>
 <p:sld xmlns:a="http://schemas.openxmlformats.org/drawingml/2006/main" xmlns:r="http://schemas.openxmlformats.org/officeDocument/2006/relationships" xmlns:p="http://schemas.openxmlformats.org/presentationml/2006/main">
   <p:cSld>
     <p:spTree>
